--- a/classes/dm2017/DigitalMedia2_13.pptx
+++ b/classes/dm2017/DigitalMedia2_13.pptx
@@ -222,7 +222,7 @@
           <a:p>
             <a:fld id="{B5D18E4F-8904-49F0-A966-ED8BC304F0DA}" type="datetimeFigureOut">
               <a:rPr kumimoji="1" lang="ja-JP" altLang="en-US" smtClean="0"/>
-              <a:t>2017/5/31</a:t>
+              <a:t>2017/7/6</a:t>
             </a:fld>
             <a:endParaRPr kumimoji="1" lang="ja-JP" altLang="en-US"/>
           </a:p>
@@ -791,7 +791,7 @@
           <a:p>
             <a:fld id="{B10875E1-285E-4E62-A15A-65F7A0855A09}" type="datetimeFigureOut">
               <a:rPr kumimoji="1" lang="ja-JP" altLang="en-US" smtClean="0"/>
-              <a:t>2017/5/31</a:t>
+              <a:t>2017/7/6</a:t>
             </a:fld>
             <a:endParaRPr kumimoji="1" lang="ja-JP" altLang="en-US"/>
           </a:p>
@@ -1017,7 +1017,7 @@
           <a:p>
             <a:fld id="{B10875E1-285E-4E62-A15A-65F7A0855A09}" type="datetimeFigureOut">
               <a:rPr kumimoji="1" lang="ja-JP" altLang="en-US" smtClean="0"/>
-              <a:t>2017/5/31</a:t>
+              <a:t>2017/7/6</a:t>
             </a:fld>
             <a:endParaRPr kumimoji="1" lang="ja-JP" altLang="en-US"/>
           </a:p>
@@ -1253,7 +1253,7 @@
           <a:p>
             <a:fld id="{B10875E1-285E-4E62-A15A-65F7A0855A09}" type="datetimeFigureOut">
               <a:rPr kumimoji="1" lang="ja-JP" altLang="en-US" smtClean="0"/>
-              <a:t>2017/5/31</a:t>
+              <a:t>2017/7/6</a:t>
             </a:fld>
             <a:endParaRPr kumimoji="1" lang="ja-JP" altLang="en-US"/>
           </a:p>
@@ -1479,7 +1479,7 @@
           <a:p>
             <a:fld id="{B10875E1-285E-4E62-A15A-65F7A0855A09}" type="datetimeFigureOut">
               <a:rPr kumimoji="1" lang="ja-JP" altLang="en-US" smtClean="0"/>
-              <a:t>2017/5/31</a:t>
+              <a:t>2017/7/6</a:t>
             </a:fld>
             <a:endParaRPr kumimoji="1" lang="ja-JP" altLang="en-US"/>
           </a:p>
@@ -1749,7 +1749,7 @@
           <a:p>
             <a:fld id="{B10875E1-285E-4E62-A15A-65F7A0855A09}" type="datetimeFigureOut">
               <a:rPr kumimoji="1" lang="ja-JP" altLang="en-US" smtClean="0"/>
-              <a:t>2017/5/31</a:t>
+              <a:t>2017/7/6</a:t>
             </a:fld>
             <a:endParaRPr kumimoji="1" lang="ja-JP" altLang="en-US"/>
           </a:p>
@@ -2158,7 +2158,7 @@
             <a:fld id="{B10875E1-285E-4E62-A15A-65F7A0855A09}" type="datetimeFigureOut">
               <a:rPr lang="ja-JP" altLang="en-US" smtClean="0"/>
               <a:pPr/>
-              <a:t>2017/5/31</a:t>
+              <a:t>2017/7/6</a:t>
             </a:fld>
             <a:endParaRPr lang="ja-JP" altLang="en-US"/>
           </a:p>
@@ -2727,7 +2727,7 @@
             <a:fld id="{B10875E1-285E-4E62-A15A-65F7A0855A09}" type="datetimeFigureOut">
               <a:rPr lang="ja-JP" altLang="en-US" smtClean="0"/>
               <a:pPr/>
-              <a:t>2017/5/31</a:t>
+              <a:t>2017/7/6</a:t>
             </a:fld>
             <a:endParaRPr lang="ja-JP" altLang="en-US"/>
           </a:p>
@@ -2886,7 +2886,7 @@
           <a:p>
             <a:fld id="{B10875E1-285E-4E62-A15A-65F7A0855A09}" type="datetimeFigureOut">
               <a:rPr kumimoji="1" lang="ja-JP" altLang="en-US" smtClean="0"/>
-              <a:t>2017/5/31</a:t>
+              <a:t>2017/7/6</a:t>
             </a:fld>
             <a:endParaRPr kumimoji="1" lang="ja-JP" altLang="en-US"/>
           </a:p>
@@ -3005,7 +3005,7 @@
           <a:p>
             <a:fld id="{B10875E1-285E-4E62-A15A-65F7A0855A09}" type="datetimeFigureOut">
               <a:rPr kumimoji="1" lang="ja-JP" altLang="en-US" smtClean="0"/>
-              <a:t>2017/5/31</a:t>
+              <a:t>2017/7/6</a:t>
             </a:fld>
             <a:endParaRPr kumimoji="1" lang="ja-JP" altLang="en-US"/>
           </a:p>
@@ -3338,7 +3338,7 @@
           <a:p>
             <a:fld id="{B10875E1-285E-4E62-A15A-65F7A0855A09}" type="datetimeFigureOut">
               <a:rPr kumimoji="1" lang="ja-JP" altLang="en-US" smtClean="0"/>
-              <a:t>2017/5/31</a:t>
+              <a:t>2017/7/6</a:t>
             </a:fld>
             <a:endParaRPr kumimoji="1" lang="ja-JP" altLang="en-US"/>
           </a:p>
@@ -3615,7 +3615,7 @@
           <a:p>
             <a:fld id="{B10875E1-285E-4E62-A15A-65F7A0855A09}" type="datetimeFigureOut">
               <a:rPr kumimoji="1" lang="ja-JP" altLang="en-US" smtClean="0"/>
-              <a:t>2017/5/31</a:t>
+              <a:t>2017/7/6</a:t>
             </a:fld>
             <a:endParaRPr kumimoji="1" lang="ja-JP" altLang="en-US"/>
           </a:p>
@@ -4281,72 +4281,6 @@
           </a:p>
         </p:txBody>
       </p:sp>
-      <p:sp>
-        <p:nvSpPr>
-          <p:cNvPr id="4" name="タイトル 1"/>
-          <p:cNvSpPr txBox="1">
-            <a:spLocks/>
-          </p:cNvSpPr>
-          <p:nvPr/>
-        </p:nvSpPr>
-        <p:spPr>
-          <a:xfrm>
-            <a:off x="1524000" y="4269600"/>
-            <a:ext cx="9144000" cy="2387600"/>
-          </a:xfrm>
-          <a:prstGeom prst="rect">
-            <a:avLst/>
-          </a:prstGeom>
-        </p:spPr>
-        <p:txBody>
-          <a:bodyPr vert="horz" lIns="91440" tIns="45720" rIns="91440" bIns="45720" rtlCol="0" anchor="b">
-            <a:normAutofit/>
-          </a:bodyPr>
-          <a:lstStyle>
-            <a:lvl1pPr algn="ctr" defTabSz="914400" rtl="0" eaLnBrk="1" latinLnBrk="0" hangingPunct="1">
-              <a:lnSpc>
-                <a:spcPct val="90000"/>
-              </a:lnSpc>
-              <a:spcBef>
-                <a:spcPct val="0"/>
-              </a:spcBef>
-              <a:buNone/>
-              <a:defRPr kumimoji="1" sz="6000" kern="1200">
-                <a:solidFill>
-                  <a:schemeClr val="tx1"/>
-                </a:solidFill>
-                <a:latin typeface="メイリオ" panose="020B0604030504040204" pitchFamily="50" charset="-128"/>
-                <a:ea typeface="メイリオ" panose="020B0604030504040204" pitchFamily="50" charset="-128"/>
-                <a:cs typeface="メイリオ" panose="020B0604030504040204" pitchFamily="50" charset="-128"/>
-              </a:defRPr>
-            </a:lvl1pPr>
-          </a:lstStyle>
-          <a:p>
-            <a:pPr algn="r"/>
-            <a:r>
-              <a:rPr lang="ja-JP" altLang="en-US" sz="5400" smtClean="0">
-                <a:solidFill>
-                  <a:srgbClr val="FF0000"/>
-                </a:solidFill>
-              </a:rPr>
-              <a:t>まだ作成中です</a:t>
-            </a:r>
-            <a:r>
-              <a:rPr lang="ja-JP" altLang="en-US" sz="5400" dirty="0" err="1" smtClean="0">
-                <a:solidFill>
-                  <a:srgbClr val="FF0000"/>
-                </a:solidFill>
-              </a:rPr>
-              <a:t>。。。</a:t>
-            </a:r>
-            <a:endParaRPr lang="ja-JP" altLang="en-US" sz="5400" dirty="0">
-              <a:solidFill>
-                <a:srgbClr val="FF0000"/>
-              </a:solidFill>
-            </a:endParaRPr>
-          </a:p>
-        </p:txBody>
-      </p:sp>
     </p:spTree>
     <p:extLst>
       <p:ext uri="{BB962C8B-B14F-4D97-AF65-F5344CB8AC3E}">
@@ -15377,8 +15311,25 @@
               <a:buNone/>
             </a:pPr>
             <a:r>
+              <a:rPr lang="en-US" altLang="ja-JP" sz="2000" dirty="0">
+                <a:solidFill>
+                  <a:srgbClr val="008000"/>
+                </a:solidFill>
+                <a:highlight>
+                  <a:srgbClr val="FFFFFF"/>
+                </a:highlight>
+                <a:latin typeface="ＭＳ ゴシック" panose="020B0609070205080204" pitchFamily="49" charset="-128"/>
+                <a:ea typeface="ＭＳ ゴシック" panose="020B0609070205080204" pitchFamily="49" charset="-128"/>
+              </a:rPr>
+              <a:t>draw</a:t>
+            </a:r>
+            <a:r>
               <a:rPr lang="ja-JP" altLang="en-US" sz="2000" b="1" dirty="0" smtClean="0"/>
-              <a:t>描画部分を変更し挙動を確認してください</a:t>
+              <a:t>部分</a:t>
+            </a:r>
+            <a:r>
+              <a:rPr lang="ja-JP" altLang="en-US" sz="2000" b="1" dirty="0" smtClean="0"/>
+              <a:t>を変更し挙動を確認してください</a:t>
             </a:r>
             <a:endParaRPr lang="en-US" altLang="ja-JP" sz="2000" b="1" dirty="0" smtClean="0"/>
           </a:p>
@@ -21591,7 +21542,7 @@
         </p:spPr>
         <p:txBody>
           <a:bodyPr>
-            <a:normAutofit/>
+            <a:normAutofit lnSpcReduction="10000"/>
           </a:bodyPr>
           <a:lstStyle/>
           <a:p>
@@ -21646,7 +21597,92 @@
           <a:p>
             <a:r>
               <a:rPr lang="ja-JP" altLang="en-US" sz="2000" dirty="0" smtClean="0"/>
-              <a:t>多少確証が低くとも顔らしい部分をすべてマークするよう，コードを書き換えてください</a:t>
+              <a:t>多少確証が低くとも顔らしい部分をすべてマークするよう，コードを書き換えて</a:t>
+            </a:r>
+            <a:r>
+              <a:rPr lang="ja-JP" altLang="en-US" sz="2000" dirty="0" smtClean="0"/>
+              <a:t>ください</a:t>
+            </a:r>
+            <a:endParaRPr lang="en-US" altLang="ja-JP" sz="2000" dirty="0" smtClean="0"/>
+          </a:p>
+          <a:p>
+            <a:r>
+              <a:rPr lang="en-US" altLang="ja-JP" sz="2000" dirty="0">
+                <a:solidFill>
+                  <a:srgbClr val="A31515"/>
+                </a:solidFill>
+                <a:highlight>
+                  <a:srgbClr val="FFFFFF"/>
+                </a:highlight>
+                <a:latin typeface="ＭＳ ゴシック" panose="020B0609070205080204" pitchFamily="49" charset="-128"/>
+                <a:ea typeface="ＭＳ ゴシック" panose="020B0609070205080204" pitchFamily="49" charset="-128"/>
+              </a:rPr>
+              <a:t>share folder</a:t>
+            </a:r>
+            <a:r>
+              <a:rPr lang="ja-JP" altLang="en-US" sz="2000" dirty="0">
+                <a:solidFill>
+                  <a:srgbClr val="A31515"/>
+                </a:solidFill>
+                <a:highlight>
+                  <a:srgbClr val="FFFFFF"/>
+                </a:highlight>
+                <a:latin typeface="ＭＳ ゴシック" panose="020B0609070205080204" pitchFamily="49" charset="-128"/>
+                <a:ea typeface="ＭＳ ゴシック" panose="020B0609070205080204" pitchFamily="49" charset="-128"/>
+              </a:rPr>
+              <a:t>において</a:t>
+            </a:r>
+            <a:r>
+              <a:rPr lang="ja-JP" altLang="en-US" sz="2000" dirty="0" smtClean="0">
+                <a:solidFill>
+                  <a:srgbClr val="A31515"/>
+                </a:solidFill>
+                <a:highlight>
+                  <a:srgbClr val="FFFFFF"/>
+                </a:highlight>
+                <a:latin typeface="ＭＳ ゴシック" panose="020B0609070205080204" pitchFamily="49" charset="-128"/>
+                <a:ea typeface="ＭＳ ゴシック" panose="020B0609070205080204" pitchFamily="49" charset="-128"/>
+              </a:rPr>
+              <a:t>ある</a:t>
+            </a:r>
+            <a:r>
+              <a:rPr lang="en-US" altLang="ja-JP" sz="2000" dirty="0" err="1" smtClean="0">
+                <a:solidFill>
+                  <a:srgbClr val="A31515"/>
+                </a:solidFill>
+                <a:highlight>
+                  <a:srgbClr val="FFFFFF"/>
+                </a:highlight>
+                <a:latin typeface="ＭＳ ゴシック" panose="020B0609070205080204" pitchFamily="49" charset="-128"/>
+                <a:ea typeface="ＭＳ ゴシック" panose="020B0609070205080204" pitchFamily="49" charset="-128"/>
+              </a:rPr>
+              <a:t>haarcascade_frontalface</a:t>
+            </a:r>
+            <a:r>
+              <a:rPr lang="en-US" altLang="ja-JP" sz="2000" dirty="0" smtClean="0">
+                <a:solidFill>
+                  <a:srgbClr val="A31515"/>
+                </a:solidFill>
+                <a:highlight>
+                  <a:srgbClr val="FFFFFF"/>
+                </a:highlight>
+                <a:latin typeface="ＭＳ ゴシック" panose="020B0609070205080204" pitchFamily="49" charset="-128"/>
+                <a:ea typeface="ＭＳ ゴシック" panose="020B0609070205080204" pitchFamily="49" charset="-128"/>
+              </a:rPr>
+              <a:t> _default.xml</a:t>
+            </a:r>
+            <a:r>
+              <a:rPr lang="ja-JP" altLang="en-US" sz="2000" dirty="0" smtClean="0">
+                <a:solidFill>
+                  <a:srgbClr val="A31515"/>
+                </a:solidFill>
+                <a:highlight>
+                  <a:srgbClr val="FFFFFF"/>
+                </a:highlight>
+                <a:latin typeface="ＭＳ ゴシック" panose="020B0609070205080204" pitchFamily="49" charset="-128"/>
+                <a:ea typeface="ＭＳ ゴシック" panose="020B0609070205080204" pitchFamily="49" charset="-128"/>
+              </a:rPr>
+              <a:t>ファイルをローカルにコピーしてください。</a:t>
             </a:r>
             <a:endParaRPr lang="en-US" altLang="ja-JP" sz="2000" dirty="0" smtClean="0"/>
           </a:p>
@@ -23092,8 +23128,20 @@
             </a:r>
             <a:r>
               <a:rPr lang="ja-JP" altLang="en-US" dirty="0" smtClean="0"/>
-              <a:t>環境は，比較的手軽にプロトタイピングが行えるので，興味がある学生は是非学修を進めてほしい</a:t>
-            </a:r>
+              <a:t>環境は，比較的手軽にプロトタイピングが行えるので，興味がある学生は是非学修を進めて</a:t>
+            </a:r>
+            <a:r>
+              <a:rPr lang="ja-JP" altLang="en-US" dirty="0" smtClean="0"/>
+              <a:t>ほしい</a:t>
+            </a:r>
+            <a:endParaRPr lang="en-US" altLang="ja-JP" dirty="0" smtClean="0"/>
+          </a:p>
+          <a:p>
+            <a:pPr>
+              <a:lnSpc>
+                <a:spcPct val="100000"/>
+              </a:lnSpc>
+            </a:pPr>
             <a:endParaRPr lang="en-US" altLang="ja-JP" dirty="0"/>
           </a:p>
           <a:p>
@@ -23110,16 +23158,32 @@
               <a:t> </a:t>
             </a:r>
             <a:r>
+              <a:rPr lang="ja-JP" altLang="en-US" smtClean="0">
+                <a:sym typeface="Wingdings" panose="05000000000000000000" pitchFamily="2" charset="2"/>
+              </a:rPr>
+              <a:t>後期</a:t>
+            </a:r>
+            <a:r>
+              <a:rPr lang="ja-JP" altLang="en-US">
+                <a:sym typeface="Wingdings" panose="05000000000000000000" pitchFamily="2" charset="2"/>
+              </a:rPr>
+              <a:t>の</a:t>
+            </a:r>
+            <a:r>
+              <a:rPr kumimoji="1" lang="ja-JP" altLang="en-US" smtClean="0"/>
+              <a:t>高度</a:t>
+            </a:r>
+            <a:r>
+              <a:rPr kumimoji="1" lang="ja-JP" altLang="en-US" smtClean="0"/>
+              <a:t>情報</a:t>
+            </a:r>
+            <a:r>
+              <a:rPr kumimoji="1" lang="ja-JP" altLang="en-US" smtClean="0"/>
+              <a:t>演習で</a:t>
+            </a:r>
+            <a:r>
               <a:rPr kumimoji="1" lang="ja-JP" altLang="en-US" dirty="0" smtClean="0"/>
-              <a:t>高度情報演習</a:t>
-            </a:r>
-            <a:r>
-              <a:rPr kumimoji="1" lang="en-US" altLang="ja-JP" dirty="0" smtClean="0"/>
-              <a:t>A</a:t>
-            </a:r>
-            <a:r>
-              <a:rPr kumimoji="1" lang="ja-JP" altLang="en-US" dirty="0" smtClean="0"/>
-              <a:t>では，比較的大変な課題を用意してお待ちしています</a:t>
+              <a:t>は，比較的大変な課題を用意してお待ちしています</a:t>
             </a:r>
             <a:endParaRPr kumimoji="1" lang="en-US" altLang="ja-JP" dirty="0" smtClean="0"/>
           </a:p>

--- a/classes/dm2017/DigitalMedia2_13.pptx
+++ b/classes/dm2017/DigitalMedia2_13.pptx
@@ -13760,7 +13760,7 @@
           <a:p>
             <a:r>
               <a:rPr kumimoji="1" lang="en-US" altLang="ja-JP" sz="3600" b="1" dirty="0" smtClean="0"/>
-              <a:t>Ex6.py  </a:t>
+              <a:t>Ex9.py  </a:t>
             </a:r>
             <a:r>
               <a:rPr kumimoji="1" lang="ja-JP" altLang="en-US" sz="3600" b="1" dirty="0" smtClean="0"/>
@@ -15194,6 +15194,76 @@
           </a:p>
         </p:txBody>
       </p:sp>
+      <p:sp>
+        <p:nvSpPr>
+          <p:cNvPr id="4" name="正方形/長方形 3"/>
+          <p:cNvSpPr/>
+          <p:nvPr/>
+        </p:nvSpPr>
+        <p:spPr>
+          <a:xfrm>
+            <a:off x="931896" y="5665987"/>
+            <a:ext cx="8611653" cy="1323439"/>
+          </a:xfrm>
+          <a:prstGeom prst="rect">
+            <a:avLst/>
+          </a:prstGeom>
+        </p:spPr>
+        <p:txBody>
+          <a:bodyPr wrap="none">
+            <a:spAutoFit/>
+          </a:bodyPr>
+          <a:lstStyle/>
+          <a:p>
+            <a:r>
+              <a:rPr lang="ja-JP" altLang="en-US" sz="2000" dirty="0" smtClean="0">
+                <a:solidFill>
+                  <a:srgbClr val="FF0000"/>
+                </a:solidFill>
+              </a:rPr>
+              <a:t>以降のコードは学内環境にて動作することを確認しています</a:t>
+            </a:r>
+            <a:endParaRPr lang="en-US" altLang="ja-JP" sz="2000" dirty="0" smtClean="0">
+              <a:solidFill>
+                <a:srgbClr val="FF0000"/>
+              </a:solidFill>
+            </a:endParaRPr>
+          </a:p>
+          <a:p>
+            <a:r>
+              <a:rPr lang="ja-JP" altLang="en-US" sz="2000" dirty="0" smtClean="0">
+                <a:solidFill>
+                  <a:srgbClr val="FF0000"/>
+                </a:solidFill>
+              </a:rPr>
+              <a:t>もし途中で落ちる場合は画像データの読み込みに失敗している場合があります</a:t>
+            </a:r>
+            <a:endParaRPr lang="en-US" altLang="ja-JP" sz="2000" dirty="0" smtClean="0">
+              <a:solidFill>
+                <a:srgbClr val="FF0000"/>
+              </a:solidFill>
+            </a:endParaRPr>
+          </a:p>
+          <a:p>
+            <a:r>
+              <a:rPr lang="ja-JP" altLang="en-US" sz="2000" dirty="0" smtClean="0">
+                <a:solidFill>
+                  <a:srgbClr val="FF0000"/>
+                </a:solidFill>
+              </a:rPr>
+              <a:t>ファイル名や配置するフォルダを確認してください</a:t>
+            </a:r>
+            <a:endParaRPr lang="en-US" altLang="ja-JP" sz="2000" dirty="0">
+              <a:solidFill>
+                <a:srgbClr val="FF0000"/>
+              </a:solidFill>
+            </a:endParaRPr>
+          </a:p>
+          <a:p>
+            <a:endParaRPr lang="ja-JP" altLang="en-US" sz="2000" dirty="0"/>
+          </a:p>
+        </p:txBody>
+      </p:sp>
     </p:spTree>
     <p:extLst>
       <p:ext uri="{BB962C8B-B14F-4D97-AF65-F5344CB8AC3E}">
@@ -15325,11 +15395,7 @@
             </a:r>
             <a:r>
               <a:rPr lang="ja-JP" altLang="en-US" sz="2000" b="1" dirty="0" smtClean="0"/>
-              <a:t>部分</a:t>
-            </a:r>
-            <a:r>
-              <a:rPr lang="ja-JP" altLang="en-US" sz="2000" b="1" dirty="0" smtClean="0"/>
-              <a:t>を変更し挙動を確認してください</a:t>
+              <a:t>部分を変更し挙動を確認してください</a:t>
             </a:r>
             <a:endParaRPr lang="en-US" altLang="ja-JP" sz="2000" b="1" dirty="0" smtClean="0"/>
           </a:p>
@@ -21597,11 +21663,7 @@
           <a:p>
             <a:r>
               <a:rPr lang="ja-JP" altLang="en-US" sz="2000" dirty="0" smtClean="0"/>
-              <a:t>多少確証が低くとも顔らしい部分をすべてマークするよう，コードを書き換えて</a:t>
-            </a:r>
-            <a:r>
-              <a:rPr lang="ja-JP" altLang="en-US" sz="2000" dirty="0" smtClean="0"/>
-              <a:t>ください</a:t>
+              <a:t>多少確証が低くとも顔らしい部分をすべてマークするよう，コードを書き換えてください</a:t>
             </a:r>
             <a:endParaRPr lang="en-US" altLang="ja-JP" sz="2000" dirty="0" smtClean="0"/>
           </a:p>
@@ -23128,11 +23190,7 @@
             </a:r>
             <a:r>
               <a:rPr lang="ja-JP" altLang="en-US" dirty="0" smtClean="0"/>
-              <a:t>環境は，比較的手軽にプロトタイピングが行えるので，興味がある学生は是非学修を進めて</a:t>
-            </a:r>
-            <a:r>
-              <a:rPr lang="ja-JP" altLang="en-US" dirty="0" smtClean="0"/>
-              <a:t>ほしい</a:t>
+              <a:t>環境は，比較的手軽にプロトタイピングが行えるので，興味がある学生は是非学修を進めてほしい</a:t>
             </a:r>
             <a:endParaRPr lang="en-US" altLang="ja-JP" dirty="0" smtClean="0"/>
           </a:p>
@@ -23171,15 +23229,7 @@
             </a:r>
             <a:r>
               <a:rPr kumimoji="1" lang="ja-JP" altLang="en-US" smtClean="0"/>
-              <a:t>高度</a:t>
-            </a:r>
-            <a:r>
-              <a:rPr kumimoji="1" lang="ja-JP" altLang="en-US" smtClean="0"/>
-              <a:t>情報</a:t>
-            </a:r>
-            <a:r>
-              <a:rPr kumimoji="1" lang="ja-JP" altLang="en-US" smtClean="0"/>
-              <a:t>演習で</a:t>
+              <a:t>高度情報演習で</a:t>
             </a:r>
             <a:r>
               <a:rPr kumimoji="1" lang="ja-JP" altLang="en-US" dirty="0" smtClean="0"/>
@@ -23262,7 +23312,7 @@
         <p:spPr>
           <a:xfrm>
             <a:off x="697881" y="1343722"/>
-            <a:ext cx="10997933" cy="3879856"/>
+            <a:ext cx="10997933" cy="5288190"/>
           </a:xfrm>
         </p:spPr>
         <p:txBody>
@@ -23338,6 +23388,58 @@
             <a:r>
               <a:rPr lang="ja-JP" altLang="en-US" sz="2400" dirty="0" smtClean="0"/>
               <a:t>の表面的な使い方を体験します．網羅的な機能・文法の紹介は行ないません．</a:t>
+            </a:r>
+            <a:endParaRPr lang="en-US" altLang="ja-JP" sz="2400" dirty="0" smtClean="0"/>
+          </a:p>
+          <a:p>
+            <a:pPr marL="0" indent="0">
+              <a:buNone/>
+            </a:pPr>
+            <a:endParaRPr lang="en-US" altLang="ja-JP" sz="2400" dirty="0"/>
+          </a:p>
+          <a:p>
+            <a:pPr marL="0" indent="0">
+              <a:buNone/>
+            </a:pPr>
+            <a:r>
+              <a:rPr lang="ja-JP" altLang="en-US" sz="2400" dirty="0" smtClean="0"/>
+              <a:t>準備 </a:t>
+            </a:r>
+            <a:r>
+              <a:rPr lang="en-US" altLang="ja-JP" sz="2400" dirty="0" smtClean="0"/>
+              <a:t>: </a:t>
+            </a:r>
+            <a:r>
+              <a:rPr lang="ja-JP" altLang="en-US" sz="2400" dirty="0" smtClean="0"/>
+              <a:t>好きな画像を</a:t>
+            </a:r>
+            <a:r>
+              <a:rPr lang="ja-JP" altLang="en-US" sz="2400" smtClean="0"/>
+              <a:t>用意し</a:t>
+            </a:r>
+            <a:r>
+              <a:rPr lang="en-US" altLang="ja-JP" sz="2400" smtClean="0"/>
+              <a:t>img.png</a:t>
+            </a:r>
+            <a:r>
+              <a:rPr lang="ja-JP" altLang="en-US" sz="2400" dirty="0" smtClean="0"/>
+              <a:t>という</a:t>
+            </a:r>
+            <a:r>
+              <a:rPr lang="ja-JP" altLang="en-US" sz="2400" dirty="0"/>
+              <a:t>名前</a:t>
+            </a:r>
+            <a:r>
+              <a:rPr lang="ja-JP" altLang="en-US" sz="2400" dirty="0" smtClean="0"/>
+              <a:t>で</a:t>
+            </a:r>
+            <a:r>
+              <a:rPr lang="ja-JP" altLang="en-US" sz="2400" dirty="0"/>
+              <a:t>保存</a:t>
+            </a:r>
+            <a:r>
+              <a:rPr lang="ja-JP" altLang="en-US" sz="2400" dirty="0" smtClean="0"/>
+              <a:t>してください</a:t>
             </a:r>
             <a:endParaRPr lang="en-US" altLang="ja-JP" sz="2400" dirty="0" smtClean="0"/>
           </a:p>

--- a/classes/dm2017/DigitalMedia2_13.pptx
+++ b/classes/dm2017/DigitalMedia2_13.pptx
@@ -36,7 +36,7 @@
     <p:sldId id="436" r:id="rId27"/>
   </p:sldIdLst>
   <p:sldSz cx="12192000" cy="6858000"/>
-  <p:notesSz cx="6858000" cy="9144000"/>
+  <p:notesSz cx="7099300" cy="10234613"/>
   <p:defaultTextStyle>
     <a:defPPr>
       <a:defRPr lang="ja-JP"/>
@@ -175,17 +175,17 @@
         <p:spPr>
           <a:xfrm>
             <a:off x="0" y="0"/>
-            <a:ext cx="2971800" cy="458788"/>
+            <a:ext cx="3076363" cy="513508"/>
           </a:xfrm>
           <a:prstGeom prst="rect">
             <a:avLst/>
           </a:prstGeom>
         </p:spPr>
         <p:txBody>
-          <a:bodyPr vert="horz" lIns="91440" tIns="45720" rIns="91440" bIns="45720" rtlCol="0"/>
+          <a:bodyPr vert="horz" lIns="99048" tIns="49524" rIns="99048" bIns="49524" rtlCol="0"/>
           <a:lstStyle>
             <a:lvl1pPr algn="l">
-              <a:defRPr sz="1200"/>
+              <a:defRPr sz="1300"/>
             </a:lvl1pPr>
           </a:lstStyle>
           <a:p>
@@ -205,24 +205,24 @@
         </p:nvSpPr>
         <p:spPr>
           <a:xfrm>
-            <a:off x="3884613" y="0"/>
-            <a:ext cx="2971800" cy="458788"/>
+            <a:off x="4021294" y="0"/>
+            <a:ext cx="3076363" cy="513508"/>
           </a:xfrm>
           <a:prstGeom prst="rect">
             <a:avLst/>
           </a:prstGeom>
         </p:spPr>
         <p:txBody>
-          <a:bodyPr vert="horz" lIns="91440" tIns="45720" rIns="91440" bIns="45720" rtlCol="0"/>
+          <a:bodyPr vert="horz" lIns="99048" tIns="49524" rIns="99048" bIns="49524" rtlCol="0"/>
           <a:lstStyle>
             <a:lvl1pPr algn="r">
-              <a:defRPr sz="1200"/>
+              <a:defRPr sz="1300"/>
             </a:lvl1pPr>
           </a:lstStyle>
           <a:p>
             <a:fld id="{B5D18E4F-8904-49F0-A966-ED8BC304F0DA}" type="datetimeFigureOut">
               <a:rPr kumimoji="1" lang="ja-JP" altLang="en-US" smtClean="0"/>
-              <a:t>2017/7/6</a:t>
+              <a:t>2017/7/13</a:t>
             </a:fld>
             <a:endParaRPr kumimoji="1" lang="ja-JP" altLang="en-US"/>
           </a:p>
@@ -240,8 +240,8 @@
         </p:nvSpPr>
         <p:spPr>
           <a:xfrm>
-            <a:off x="685800" y="1143000"/>
-            <a:ext cx="5486400" cy="3086100"/>
+            <a:off x="479425" y="1279525"/>
+            <a:ext cx="6140450" cy="3454400"/>
           </a:xfrm>
           <a:prstGeom prst="rect">
             <a:avLst/>
@@ -254,7 +254,7 @@
           </a:ln>
         </p:spPr>
         <p:txBody>
-          <a:bodyPr vert="horz" lIns="91440" tIns="45720" rIns="91440" bIns="45720" rtlCol="0" anchor="ctr"/>
+          <a:bodyPr vert="horz" lIns="99048" tIns="49524" rIns="99048" bIns="49524" rtlCol="0" anchor="ctr"/>
           <a:lstStyle/>
           <a:p>
             <a:endParaRPr lang="ja-JP" altLang="en-US"/>
@@ -273,15 +273,15 @@
         </p:nvSpPr>
         <p:spPr>
           <a:xfrm>
-            <a:off x="685800" y="4400550"/>
-            <a:ext cx="5486400" cy="3600450"/>
+            <a:off x="709930" y="4925407"/>
+            <a:ext cx="5679440" cy="4029879"/>
           </a:xfrm>
           <a:prstGeom prst="rect">
             <a:avLst/>
           </a:prstGeom>
         </p:spPr>
         <p:txBody>
-          <a:bodyPr vert="horz" lIns="91440" tIns="45720" rIns="91440" bIns="45720" rtlCol="0"/>
+          <a:bodyPr vert="horz" lIns="99048" tIns="49524" rIns="99048" bIns="49524" rtlCol="0"/>
           <a:lstStyle/>
           <a:p>
             <a:pPr lvl="0"/>
@@ -365,18 +365,18 @@
         </p:nvSpPr>
         <p:spPr>
           <a:xfrm>
-            <a:off x="0" y="8685213"/>
-            <a:ext cx="2971800" cy="458787"/>
+            <a:off x="0" y="9721107"/>
+            <a:ext cx="3076363" cy="513507"/>
           </a:xfrm>
           <a:prstGeom prst="rect">
             <a:avLst/>
           </a:prstGeom>
         </p:spPr>
         <p:txBody>
-          <a:bodyPr vert="horz" lIns="91440" tIns="45720" rIns="91440" bIns="45720" rtlCol="0" anchor="b"/>
+          <a:bodyPr vert="horz" lIns="99048" tIns="49524" rIns="99048" bIns="49524" rtlCol="0" anchor="b"/>
           <a:lstStyle>
             <a:lvl1pPr algn="l">
-              <a:defRPr sz="1200"/>
+              <a:defRPr sz="1300"/>
             </a:lvl1pPr>
           </a:lstStyle>
           <a:p>
@@ -396,18 +396,18 @@
         </p:nvSpPr>
         <p:spPr>
           <a:xfrm>
-            <a:off x="3884613" y="8685213"/>
-            <a:ext cx="2971800" cy="458787"/>
+            <a:off x="4021294" y="9721107"/>
+            <a:ext cx="3076363" cy="513507"/>
           </a:xfrm>
           <a:prstGeom prst="rect">
             <a:avLst/>
           </a:prstGeom>
         </p:spPr>
         <p:txBody>
-          <a:bodyPr vert="horz" lIns="91440" tIns="45720" rIns="91440" bIns="45720" rtlCol="0" anchor="b"/>
+          <a:bodyPr vert="horz" lIns="99048" tIns="49524" rIns="99048" bIns="49524" rtlCol="0" anchor="b"/>
           <a:lstStyle>
             <a:lvl1pPr algn="r">
-              <a:defRPr sz="1200"/>
+              <a:defRPr sz="1300"/>
             </a:lvl1pPr>
           </a:lstStyle>
           <a:p>
@@ -791,7 +791,7 @@
           <a:p>
             <a:fld id="{B10875E1-285E-4E62-A15A-65F7A0855A09}" type="datetimeFigureOut">
               <a:rPr kumimoji="1" lang="ja-JP" altLang="en-US" smtClean="0"/>
-              <a:t>2017/7/6</a:t>
+              <a:t>2017/7/13</a:t>
             </a:fld>
             <a:endParaRPr kumimoji="1" lang="ja-JP" altLang="en-US"/>
           </a:p>
@@ -1017,7 +1017,7 @@
           <a:p>
             <a:fld id="{B10875E1-285E-4E62-A15A-65F7A0855A09}" type="datetimeFigureOut">
               <a:rPr kumimoji="1" lang="ja-JP" altLang="en-US" smtClean="0"/>
-              <a:t>2017/7/6</a:t>
+              <a:t>2017/7/13</a:t>
             </a:fld>
             <a:endParaRPr kumimoji="1" lang="ja-JP" altLang="en-US"/>
           </a:p>
@@ -1253,7 +1253,7 @@
           <a:p>
             <a:fld id="{B10875E1-285E-4E62-A15A-65F7A0855A09}" type="datetimeFigureOut">
               <a:rPr kumimoji="1" lang="ja-JP" altLang="en-US" smtClean="0"/>
-              <a:t>2017/7/6</a:t>
+              <a:t>2017/7/13</a:t>
             </a:fld>
             <a:endParaRPr kumimoji="1" lang="ja-JP" altLang="en-US"/>
           </a:p>
@@ -1479,7 +1479,7 @@
           <a:p>
             <a:fld id="{B10875E1-285E-4E62-A15A-65F7A0855A09}" type="datetimeFigureOut">
               <a:rPr kumimoji="1" lang="ja-JP" altLang="en-US" smtClean="0"/>
-              <a:t>2017/7/6</a:t>
+              <a:t>2017/7/13</a:t>
             </a:fld>
             <a:endParaRPr kumimoji="1" lang="ja-JP" altLang="en-US"/>
           </a:p>
@@ -1749,7 +1749,7 @@
           <a:p>
             <a:fld id="{B10875E1-285E-4E62-A15A-65F7A0855A09}" type="datetimeFigureOut">
               <a:rPr kumimoji="1" lang="ja-JP" altLang="en-US" smtClean="0"/>
-              <a:t>2017/7/6</a:t>
+              <a:t>2017/7/13</a:t>
             </a:fld>
             <a:endParaRPr kumimoji="1" lang="ja-JP" altLang="en-US"/>
           </a:p>
@@ -2158,7 +2158,7 @@
             <a:fld id="{B10875E1-285E-4E62-A15A-65F7A0855A09}" type="datetimeFigureOut">
               <a:rPr lang="ja-JP" altLang="en-US" smtClean="0"/>
               <a:pPr/>
-              <a:t>2017/7/6</a:t>
+              <a:t>2017/7/13</a:t>
             </a:fld>
             <a:endParaRPr lang="ja-JP" altLang="en-US"/>
           </a:p>
@@ -2727,7 +2727,7 @@
             <a:fld id="{B10875E1-285E-4E62-A15A-65F7A0855A09}" type="datetimeFigureOut">
               <a:rPr lang="ja-JP" altLang="en-US" smtClean="0"/>
               <a:pPr/>
-              <a:t>2017/7/6</a:t>
+              <a:t>2017/7/13</a:t>
             </a:fld>
             <a:endParaRPr lang="ja-JP" altLang="en-US"/>
           </a:p>
@@ -2886,7 +2886,7 @@
           <a:p>
             <a:fld id="{B10875E1-285E-4E62-A15A-65F7A0855A09}" type="datetimeFigureOut">
               <a:rPr kumimoji="1" lang="ja-JP" altLang="en-US" smtClean="0"/>
-              <a:t>2017/7/6</a:t>
+              <a:t>2017/7/13</a:t>
             </a:fld>
             <a:endParaRPr kumimoji="1" lang="ja-JP" altLang="en-US"/>
           </a:p>
@@ -3005,7 +3005,7 @@
           <a:p>
             <a:fld id="{B10875E1-285E-4E62-A15A-65F7A0855A09}" type="datetimeFigureOut">
               <a:rPr kumimoji="1" lang="ja-JP" altLang="en-US" smtClean="0"/>
-              <a:t>2017/7/6</a:t>
+              <a:t>2017/7/13</a:t>
             </a:fld>
             <a:endParaRPr kumimoji="1" lang="ja-JP" altLang="en-US"/>
           </a:p>
@@ -3338,7 +3338,7 @@
           <a:p>
             <a:fld id="{B10875E1-285E-4E62-A15A-65F7A0855A09}" type="datetimeFigureOut">
               <a:rPr kumimoji="1" lang="ja-JP" altLang="en-US" smtClean="0"/>
-              <a:t>2017/7/6</a:t>
+              <a:t>2017/7/13</a:t>
             </a:fld>
             <a:endParaRPr kumimoji="1" lang="ja-JP" altLang="en-US"/>
           </a:p>
@@ -3615,7 +3615,7 @@
           <a:p>
             <a:fld id="{B10875E1-285E-4E62-A15A-65F7A0855A09}" type="datetimeFigureOut">
               <a:rPr kumimoji="1" lang="ja-JP" altLang="en-US" smtClean="0"/>
-              <a:t>2017/7/6</a:t>
+              <a:t>2017/7/13</a:t>
             </a:fld>
             <a:endParaRPr kumimoji="1" lang="ja-JP" altLang="en-US"/>
           </a:p>
@@ -4374,14 +4374,50 @@
               <a:buNone/>
             </a:pPr>
             <a:r>
-              <a:rPr lang="ja-JP" altLang="en-US" sz="2400" b="1" dirty="0"/>
-              <a:t>右の</a:t>
-            </a:r>
-            <a:r>
-              <a:rPr lang="ja-JP" altLang="en-US" sz="2400" b="1" dirty="0" smtClean="0"/>
+              <a:rPr lang="ja-JP" altLang="en-US" sz="2400" b="1" dirty="0" smtClean="0">
+                <a:solidFill>
+                  <a:srgbClr val="C00000"/>
+                </a:solidFill>
+              </a:rPr>
+              <a:t>実習</a:t>
+            </a:r>
+            <a:r>
+              <a:rPr lang="en-US" altLang="ja-JP" sz="2400" b="1" dirty="0" smtClean="0">
+                <a:solidFill>
+                  <a:srgbClr val="C00000"/>
+                </a:solidFill>
+              </a:rPr>
+              <a:t>: </a:t>
+            </a:r>
+            <a:r>
+              <a:rPr lang="ja-JP" altLang="en-US" sz="2400" b="1" dirty="0" smtClean="0">
+                <a:solidFill>
+                  <a:srgbClr val="C00000"/>
+                </a:solidFill>
+              </a:rPr>
+              <a:t>右</a:t>
+            </a:r>
+            <a:r>
+              <a:rPr lang="ja-JP" altLang="en-US" sz="2400" b="1" dirty="0">
+                <a:solidFill>
+                  <a:srgbClr val="C00000"/>
+                </a:solidFill>
+              </a:rPr>
+              <a:t>の</a:t>
+            </a:r>
+            <a:r>
+              <a:rPr lang="ja-JP" altLang="en-US" sz="2400" b="1" dirty="0" smtClean="0">
+                <a:solidFill>
+                  <a:srgbClr val="C00000"/>
+                </a:solidFill>
+              </a:rPr>
               <a:t>コードを動かしてください</a:t>
             </a:r>
-            <a:endParaRPr kumimoji="1" lang="en-US" altLang="ja-JP" sz="2400" b="1" dirty="0" smtClean="0"/>
+            <a:endParaRPr kumimoji="1" lang="en-US" altLang="ja-JP" sz="2400" b="1" dirty="0" smtClean="0">
+              <a:solidFill>
+                <a:srgbClr val="C00000"/>
+              </a:solidFill>
+            </a:endParaRPr>
           </a:p>
           <a:p>
             <a:pPr marL="0" indent="0">
@@ -4443,7 +4479,11 @@
             <a:pPr marL="0" indent="0">
               <a:buNone/>
             </a:pPr>
-            <a:endParaRPr lang="en-US" altLang="ja-JP" sz="2400" dirty="0"/>
+            <a:endParaRPr lang="en-US" altLang="ja-JP" sz="2400" dirty="0">
+              <a:solidFill>
+                <a:srgbClr val="00B050"/>
+              </a:solidFill>
+            </a:endParaRPr>
           </a:p>
           <a:p>
             <a:pPr marL="0" indent="0">
@@ -4452,7 +4492,7 @@
             <a:r>
               <a:rPr lang="en-US" altLang="ja-JP" sz="2400" dirty="0" smtClean="0">
                 <a:solidFill>
-                  <a:srgbClr val="FF0000"/>
+                  <a:srgbClr val="00B050"/>
                 </a:solidFill>
               </a:rPr>
               <a:t>※</a:t>
@@ -4460,7 +4500,7 @@
             <a:r>
               <a:rPr lang="ja-JP" altLang="en-US" sz="2400" dirty="0">
                 <a:solidFill>
-                  <a:srgbClr val="FF0000"/>
+                  <a:srgbClr val="00B050"/>
                 </a:solidFill>
               </a:rPr>
               <a:t> </a:t>
@@ -4468,7 +4508,7 @@
             <a:r>
               <a:rPr lang="en-US" altLang="ja-JP" sz="2400" dirty="0" smtClean="0">
                 <a:solidFill>
-                  <a:srgbClr val="FF0000"/>
+                  <a:srgbClr val="00B050"/>
                 </a:solidFill>
               </a:rPr>
               <a:t>『#』</a:t>
@@ -4476,14 +4516,14 @@
             <a:r>
               <a:rPr lang="ja-JP" altLang="en-US" sz="2400" dirty="0" smtClean="0">
                 <a:solidFill>
-                  <a:srgbClr val="FF0000"/>
+                  <a:srgbClr val="00B050"/>
                 </a:solidFill>
               </a:rPr>
               <a:t>でコメントアウト</a:t>
             </a:r>
             <a:endParaRPr lang="en-US" altLang="ja-JP" sz="2400" dirty="0" smtClean="0">
               <a:solidFill>
-                <a:srgbClr val="FF0000"/>
+                <a:srgbClr val="00B050"/>
               </a:solidFill>
             </a:endParaRPr>
           </a:p>
@@ -4494,7 +4534,7 @@
             <a:r>
               <a:rPr lang="en-US" altLang="ja-JP" sz="2400" dirty="0">
                 <a:solidFill>
-                  <a:srgbClr val="FF0000"/>
+                  <a:srgbClr val="00B050"/>
                 </a:solidFill>
               </a:rPr>
               <a:t>※</a:t>
@@ -4502,7 +4542,7 @@
             <a:r>
               <a:rPr lang="en-US" altLang="ja-JP" sz="2400" dirty="0" smtClean="0">
                 <a:solidFill>
-                  <a:srgbClr val="FF0000"/>
+                  <a:srgbClr val="00B050"/>
                 </a:solidFill>
               </a:rPr>
               <a:t> </a:t>
@@ -4510,7 +4550,7 @@
             <a:r>
               <a:rPr kumimoji="1" lang="en-US" altLang="ja-JP" sz="2400" dirty="0" smtClean="0">
                 <a:solidFill>
-                  <a:srgbClr val="FF0000"/>
+                  <a:srgbClr val="00B050"/>
                 </a:solidFill>
               </a:rPr>
               <a:t>『print(“</a:t>
@@ -4518,7 +4558,7 @@
             <a:r>
               <a:rPr kumimoji="1" lang="ja-JP" altLang="en-US" sz="2400" dirty="0" smtClean="0">
                 <a:solidFill>
-                  <a:srgbClr val="FF0000"/>
+                  <a:srgbClr val="00B050"/>
                 </a:solidFill>
               </a:rPr>
               <a:t>文字列</a:t>
@@ -4526,7 +4566,7 @@
             <a:r>
               <a:rPr kumimoji="1" lang="en-US" altLang="ja-JP" sz="2400" dirty="0" smtClean="0">
                 <a:solidFill>
-                  <a:srgbClr val="FF0000"/>
+                  <a:srgbClr val="00B050"/>
                 </a:solidFill>
               </a:rPr>
               <a:t>”)』</a:t>
@@ -4534,14 +4574,14 @@
             <a:r>
               <a:rPr kumimoji="1" lang="ja-JP" altLang="en-US" sz="2400" dirty="0" smtClean="0">
                 <a:solidFill>
-                  <a:srgbClr val="FF0000"/>
+                  <a:srgbClr val="00B050"/>
                 </a:solidFill>
               </a:rPr>
               <a:t>で文字列を出力</a:t>
             </a:r>
             <a:endParaRPr kumimoji="1" lang="ja-JP" altLang="en-US" sz="2400" dirty="0">
               <a:solidFill>
-                <a:srgbClr val="FF0000"/>
+                <a:srgbClr val="00B050"/>
               </a:solidFill>
             </a:endParaRPr>
           </a:p>
@@ -4810,40 +4850,116 @@
               <a:buNone/>
             </a:pPr>
             <a:r>
-              <a:rPr lang="ja-JP" altLang="en-US" sz="2000" b="1" dirty="0" smtClean="0"/>
+              <a:rPr lang="ja-JP" altLang="en-US" sz="2000" b="1" dirty="0" smtClean="0">
+                <a:solidFill>
+                  <a:srgbClr val="C00000"/>
+                </a:solidFill>
+              </a:rPr>
+              <a:t>実習 </a:t>
+            </a:r>
+            <a:r>
+              <a:rPr lang="en-US" altLang="ja-JP" sz="2000" b="1" dirty="0" smtClean="0">
+                <a:solidFill>
+                  <a:srgbClr val="C00000"/>
+                </a:solidFill>
+              </a:rPr>
+              <a:t>: </a:t>
+            </a:r>
+            <a:r>
+              <a:rPr lang="ja-JP" altLang="en-US" sz="2000" b="1" dirty="0" smtClean="0">
+                <a:solidFill>
+                  <a:srgbClr val="C00000"/>
+                </a:solidFill>
+              </a:rPr>
               <a:t>右</a:t>
             </a:r>
             <a:r>
-              <a:rPr lang="ja-JP" altLang="en-US" sz="2000" b="1" dirty="0"/>
+              <a:rPr lang="ja-JP" altLang="en-US" sz="2000" b="1" dirty="0">
+                <a:solidFill>
+                  <a:srgbClr val="C00000"/>
+                </a:solidFill>
+              </a:rPr>
               <a:t>のコードを</a:t>
             </a:r>
             <a:r>
-              <a:rPr lang="ja-JP" altLang="en-US" sz="2000" b="1" dirty="0" smtClean="0"/>
+              <a:rPr lang="ja-JP" altLang="en-US" sz="2000" b="1" dirty="0" smtClean="0">
+                <a:solidFill>
+                  <a:srgbClr val="C00000"/>
+                </a:solidFill>
+              </a:rPr>
               <a:t>動かして</a:t>
             </a:r>
             <a:r>
-              <a:rPr lang="ja-JP" altLang="en-US" sz="2000" b="1" dirty="0"/>
+              <a:rPr lang="ja-JP" altLang="en-US" sz="2000" b="1" dirty="0">
+                <a:solidFill>
+                  <a:srgbClr val="C00000"/>
+                </a:solidFill>
+              </a:rPr>
               <a:t>みて</a:t>
             </a:r>
             <a:r>
-              <a:rPr lang="ja-JP" altLang="en-US" sz="2000" b="1" dirty="0" smtClean="0"/>
+              <a:rPr lang="ja-JP" altLang="en-US" sz="2000" b="1" dirty="0" smtClean="0">
+                <a:solidFill>
+                  <a:srgbClr val="C00000"/>
+                </a:solidFill>
+              </a:rPr>
               <a:t>ください</a:t>
             </a:r>
-            <a:endParaRPr lang="en-US" altLang="ja-JP" sz="2000" b="1" dirty="0" smtClean="0"/>
+            <a:endParaRPr lang="en-US" altLang="ja-JP" sz="2000" b="1" dirty="0" smtClean="0">
+              <a:solidFill>
+                <a:srgbClr val="C00000"/>
+              </a:solidFill>
+            </a:endParaRPr>
           </a:p>
           <a:p>
             <a:pPr marL="0" indent="0">
               <a:buNone/>
             </a:pPr>
             <a:r>
-              <a:rPr lang="ja-JP" altLang="en-US" sz="2000" b="1" dirty="0"/>
-              <a:t>右の</a:t>
-            </a:r>
-            <a:r>
-              <a:rPr lang="ja-JP" altLang="en-US" sz="2000" b="1" dirty="0" smtClean="0"/>
+              <a:rPr lang="ja-JP" altLang="en-US" sz="2000" b="1" dirty="0">
+                <a:solidFill>
+                  <a:srgbClr val="C00000"/>
+                </a:solidFill>
+              </a:rPr>
+              <a:t>実習 </a:t>
+            </a:r>
+            <a:r>
+              <a:rPr lang="en-US" altLang="ja-JP" sz="2000" b="1" dirty="0" smtClean="0">
+                <a:solidFill>
+                  <a:srgbClr val="C00000"/>
+                </a:solidFill>
+              </a:rPr>
+              <a:t>: </a:t>
+            </a:r>
+            <a:r>
+              <a:rPr lang="ja-JP" altLang="en-US" sz="2000" b="1" dirty="0" smtClean="0">
+                <a:solidFill>
+                  <a:srgbClr val="C00000"/>
+                </a:solidFill>
+              </a:rPr>
+              <a:t>右</a:t>
+            </a:r>
+            <a:r>
+              <a:rPr lang="ja-JP" altLang="en-US" sz="2000" b="1" dirty="0">
+                <a:solidFill>
+                  <a:srgbClr val="C00000"/>
+                </a:solidFill>
+              </a:rPr>
+              <a:t>の</a:t>
+            </a:r>
+            <a:r>
+              <a:rPr lang="ja-JP" altLang="en-US" sz="2000" b="1" dirty="0" smtClean="0">
+                <a:solidFill>
+                  <a:srgbClr val="C00000"/>
+                </a:solidFill>
+              </a:rPr>
               <a:t>コードを色々と編集し型の挙動を確認してください</a:t>
             </a:r>
-            <a:endParaRPr lang="en-US" altLang="ja-JP" sz="2000" b="1" dirty="0"/>
+            <a:endParaRPr lang="en-US" altLang="ja-JP" sz="2000" b="1" dirty="0">
+              <a:solidFill>
+                <a:srgbClr val="C00000"/>
+              </a:solidFill>
+            </a:endParaRPr>
           </a:p>
           <a:p>
             <a:pPr marL="0" indent="0">
@@ -4858,7 +4974,7 @@
             <a:r>
               <a:rPr lang="en-US" altLang="ja-JP" sz="2000" dirty="0" smtClean="0">
                 <a:solidFill>
-                  <a:srgbClr val="FF0000"/>
+                  <a:srgbClr val="00B050"/>
                 </a:solidFill>
               </a:rPr>
               <a:t>※ type ( </a:t>
@@ -4866,7 +4982,7 @@
             <a:r>
               <a:rPr lang="ja-JP" altLang="en-US" sz="2000" dirty="0" smtClean="0">
                 <a:solidFill>
-                  <a:srgbClr val="FF0000"/>
+                  <a:srgbClr val="00B050"/>
                 </a:solidFill>
               </a:rPr>
               <a:t>変数名</a:t>
@@ -4874,7 +4990,7 @@
             <a:r>
               <a:rPr lang="en-US" altLang="ja-JP" sz="2000" dirty="0" smtClean="0">
                 <a:solidFill>
-                  <a:srgbClr val="FF0000"/>
+                  <a:srgbClr val="00B050"/>
                 </a:solidFill>
               </a:rPr>
               <a:t> )</a:t>
@@ -4882,14 +4998,14 @@
             <a:r>
               <a:rPr lang="ja-JP" altLang="en-US" sz="2000" dirty="0" smtClean="0">
                 <a:solidFill>
-                  <a:srgbClr val="FF0000"/>
+                  <a:srgbClr val="00B050"/>
                 </a:solidFill>
               </a:rPr>
               <a:t>　で型を取得</a:t>
             </a:r>
             <a:endParaRPr lang="en-US" altLang="ja-JP" sz="2000" dirty="0" smtClean="0">
               <a:solidFill>
-                <a:srgbClr val="FF0000"/>
+                <a:srgbClr val="00B050"/>
               </a:solidFill>
             </a:endParaRPr>
           </a:p>
@@ -4900,7 +5016,7 @@
             <a:r>
               <a:rPr lang="en-US" altLang="ja-JP" sz="2000" dirty="0" smtClean="0">
                 <a:solidFill>
-                  <a:srgbClr val="FF0000"/>
+                  <a:srgbClr val="00B050"/>
                 </a:solidFill>
               </a:rPr>
               <a:t>※ id (</a:t>
@@ -4908,7 +5024,7 @@
             <a:r>
               <a:rPr lang="ja-JP" altLang="en-US" sz="2000" dirty="0">
                 <a:solidFill>
-                  <a:srgbClr val="FF0000"/>
+                  <a:srgbClr val="00B050"/>
                 </a:solidFill>
               </a:rPr>
               <a:t>変数名</a:t>
@@ -4916,7 +5032,7 @@
             <a:r>
               <a:rPr lang="en-US" altLang="ja-JP" sz="2000" dirty="0">
                 <a:solidFill>
-                  <a:srgbClr val="FF0000"/>
+                  <a:srgbClr val="00B050"/>
                 </a:solidFill>
               </a:rPr>
               <a:t> </a:t>
@@ -4924,7 +5040,7 @@
             <a:r>
               <a:rPr lang="en-US" altLang="ja-JP" sz="2000" dirty="0" smtClean="0">
                 <a:solidFill>
-                  <a:srgbClr val="FF0000"/>
+                  <a:srgbClr val="00B050"/>
                 </a:solidFill>
               </a:rPr>
               <a:t>) </a:t>
@@ -4932,7 +5048,7 @@
             <a:r>
               <a:rPr lang="ja-JP" altLang="en-US" sz="2000" dirty="0" smtClean="0">
                 <a:solidFill>
-                  <a:srgbClr val="FF0000"/>
+                  <a:srgbClr val="00B050"/>
                 </a:solidFill>
               </a:rPr>
               <a:t>でオブジェクト</a:t>
@@ -4940,7 +5056,7 @@
             <a:r>
               <a:rPr lang="en-US" altLang="ja-JP" sz="2000" dirty="0" smtClean="0">
                 <a:solidFill>
-                  <a:srgbClr val="FF0000"/>
+                  <a:srgbClr val="00B050"/>
                 </a:solidFill>
               </a:rPr>
               <a:t>id</a:t>
@@ -4948,7 +5064,7 @@
             <a:r>
               <a:rPr lang="ja-JP" altLang="en-US" sz="2000" dirty="0" smtClean="0">
                 <a:solidFill>
-                  <a:srgbClr val="FF0000"/>
+                  <a:srgbClr val="00B050"/>
                 </a:solidFill>
               </a:rPr>
               <a:t>を取得 </a:t>
@@ -4956,7 +5072,7 @@
             <a:r>
               <a:rPr lang="en-US" altLang="ja-JP" sz="2000" dirty="0" smtClean="0">
                 <a:solidFill>
-                  <a:srgbClr val="FF0000"/>
+                  <a:srgbClr val="00B050"/>
                 </a:solidFill>
                 <a:sym typeface="Wingdings" panose="05000000000000000000" pitchFamily="2" charset="2"/>
               </a:rPr>
@@ -4965,7 +5081,7 @@
             <a:r>
               <a:rPr lang="en-US" altLang="ja-JP" sz="1800" dirty="0" smtClean="0">
                 <a:solidFill>
-                  <a:srgbClr val="FF0000"/>
+                  <a:srgbClr val="00B050"/>
                 </a:solidFill>
                 <a:sym typeface="Wingdings" panose="05000000000000000000" pitchFamily="2" charset="2"/>
               </a:rPr>
@@ -4974,7 +5090,7 @@
             <a:r>
               <a:rPr lang="ja-JP" altLang="en-US" sz="1800" dirty="0" smtClean="0">
                 <a:solidFill>
-                  <a:srgbClr val="FF0000"/>
+                  <a:srgbClr val="00B050"/>
                 </a:solidFill>
                 <a:sym typeface="Wingdings" panose="05000000000000000000" pitchFamily="2" charset="2"/>
               </a:rPr>
@@ -4982,7 +5098,7 @@
             </a:r>
             <a:endParaRPr lang="en-US" altLang="ja-JP" sz="2000" dirty="0" smtClean="0">
               <a:solidFill>
-                <a:srgbClr val="FF0000"/>
+                <a:srgbClr val="00B050"/>
               </a:solidFill>
             </a:endParaRPr>
           </a:p>
@@ -4993,7 +5109,7 @@
             <a:r>
               <a:rPr lang="en-US" altLang="ja-JP" sz="2000" dirty="0" smtClean="0">
                 <a:solidFill>
-                  <a:srgbClr val="FF0000"/>
+                  <a:srgbClr val="00B050"/>
                 </a:solidFill>
               </a:rPr>
               <a:t>※ print (</a:t>
@@ -5001,7 +5117,7 @@
             <a:r>
               <a:rPr lang="ja-JP" altLang="en-US" sz="2000" dirty="0" smtClean="0">
                 <a:solidFill>
-                  <a:srgbClr val="FF0000"/>
+                  <a:srgbClr val="00B050"/>
                 </a:solidFill>
               </a:rPr>
               <a:t>変数</a:t>
@@ -5009,7 +5125,7 @@
             <a:r>
               <a:rPr lang="en-US" altLang="ja-JP" sz="2000" dirty="0" smtClean="0">
                 <a:solidFill>
-                  <a:srgbClr val="FF0000"/>
+                  <a:srgbClr val="00B050"/>
                 </a:solidFill>
               </a:rPr>
               <a:t>1, </a:t>
@@ -5017,7 +5133,7 @@
             <a:r>
               <a:rPr lang="ja-JP" altLang="en-US" sz="2000" dirty="0" smtClean="0">
                 <a:solidFill>
-                  <a:srgbClr val="FF0000"/>
+                  <a:srgbClr val="00B050"/>
                 </a:solidFill>
               </a:rPr>
               <a:t>変数</a:t>
@@ -5025,7 +5141,7 @@
             <a:r>
               <a:rPr lang="en-US" altLang="ja-JP" sz="2000" dirty="0" smtClean="0">
                 <a:solidFill>
-                  <a:srgbClr val="FF0000"/>
+                  <a:srgbClr val="00B050"/>
                 </a:solidFill>
               </a:rPr>
               <a:t>2)</a:t>
@@ -5033,7 +5149,7 @@
             <a:r>
               <a:rPr lang="ja-JP" altLang="en-US" sz="2000" dirty="0">
                 <a:solidFill>
-                  <a:srgbClr val="FF0000"/>
+                  <a:srgbClr val="00B050"/>
                 </a:solidFill>
               </a:rPr>
               <a:t> </a:t>
@@ -5041,14 +5157,14 @@
             <a:r>
               <a:rPr lang="ja-JP" altLang="en-US" sz="2000" dirty="0" smtClean="0">
                 <a:solidFill>
-                  <a:srgbClr val="FF0000"/>
+                  <a:srgbClr val="00B050"/>
                 </a:solidFill>
               </a:rPr>
               <a:t>で複数変数を出力可能</a:t>
             </a:r>
             <a:endParaRPr lang="en-US" altLang="ja-JP" sz="2000" dirty="0" smtClean="0">
               <a:solidFill>
-                <a:srgbClr val="FF0000"/>
+                <a:srgbClr val="00B050"/>
               </a:solidFill>
             </a:endParaRPr>
           </a:p>
@@ -5059,7 +5175,7 @@
             <a:r>
               <a:rPr lang="en-US" altLang="ja-JP" sz="2000" dirty="0" smtClean="0">
                 <a:solidFill>
-                  <a:srgbClr val="FF0000"/>
+                  <a:srgbClr val="00B050"/>
                 </a:solidFill>
               </a:rPr>
               <a:t>※ </a:t>
@@ -5067,14 +5183,14 @@
             <a:r>
               <a:rPr lang="ja-JP" altLang="en-US" sz="2000" dirty="0" smtClean="0">
                 <a:solidFill>
-                  <a:srgbClr val="FF0000"/>
+                  <a:srgbClr val="00B050"/>
                 </a:solidFill>
               </a:rPr>
               <a:t>型変換も可能</a:t>
             </a:r>
             <a:endParaRPr lang="en-US" altLang="ja-JP" sz="2000" dirty="0" smtClean="0">
               <a:solidFill>
-                <a:srgbClr val="FF0000"/>
+                <a:srgbClr val="00B050"/>
               </a:solidFill>
             </a:endParaRPr>
           </a:p>
@@ -6531,7 +6647,7 @@
         <p:spPr>
           <a:xfrm>
             <a:off x="667474" y="1322457"/>
-            <a:ext cx="5049932" cy="5296829"/>
+            <a:ext cx="5451972" cy="5296829"/>
           </a:xfrm>
         </p:spPr>
         <p:txBody>
@@ -6544,25 +6660,69 @@
               <a:buNone/>
             </a:pPr>
             <a:r>
-              <a:rPr kumimoji="1" lang="ja-JP" altLang="en-US" sz="2000" b="1" dirty="0" smtClean="0"/>
-              <a:t>右のコードの</a:t>
-            </a:r>
-            <a:r>
-              <a:rPr lang="ja-JP" altLang="en-US" sz="2000" b="1" dirty="0" smtClean="0"/>
+              <a:rPr lang="ja-JP" altLang="en-US" sz="2000" b="1" dirty="0" smtClean="0">
+                <a:solidFill>
+                  <a:srgbClr val="C00000"/>
+                </a:solidFill>
+              </a:rPr>
+              <a:t>実習 </a:t>
+            </a:r>
+            <a:r>
+              <a:rPr lang="en-US" altLang="ja-JP" sz="2000" b="1" dirty="0" smtClean="0">
+                <a:solidFill>
+                  <a:srgbClr val="C00000"/>
+                </a:solidFill>
+              </a:rPr>
+              <a:t>: </a:t>
+            </a:r>
+            <a:r>
+              <a:rPr kumimoji="1" lang="ja-JP" altLang="en-US" sz="2000" b="1" dirty="0" smtClean="0">
+                <a:solidFill>
+                  <a:srgbClr val="C00000"/>
+                </a:solidFill>
+              </a:rPr>
+              <a:t>右</a:t>
+            </a:r>
+            <a:r>
+              <a:rPr kumimoji="1" lang="ja-JP" altLang="en-US" sz="2000" b="1" dirty="0" smtClean="0">
+                <a:solidFill>
+                  <a:srgbClr val="C00000"/>
+                </a:solidFill>
+              </a:rPr>
+              <a:t>のコードの</a:t>
+            </a:r>
+            <a:r>
+              <a:rPr lang="ja-JP" altLang="en-US" sz="2000" b="1" dirty="0" smtClean="0">
+                <a:solidFill>
+                  <a:srgbClr val="C00000"/>
+                </a:solidFill>
+              </a:rPr>
               <a:t>出力を予想してください</a:t>
             </a:r>
-            <a:endParaRPr lang="en-US" altLang="ja-JP" sz="2000" b="1" dirty="0" smtClean="0"/>
+            <a:endParaRPr lang="en-US" altLang="ja-JP" sz="2000" b="1" dirty="0" smtClean="0">
+              <a:solidFill>
+                <a:srgbClr val="C00000"/>
+              </a:solidFill>
+            </a:endParaRPr>
           </a:p>
           <a:p>
             <a:pPr marL="0" indent="0">
               <a:buNone/>
             </a:pPr>
             <a:r>
-              <a:rPr lang="ja-JP" altLang="en-US" sz="2000" i="1" dirty="0" smtClean="0"/>
+              <a:rPr lang="ja-JP" altLang="en-US" sz="2000" i="1" dirty="0" smtClean="0">
+                <a:solidFill>
+                  <a:srgbClr val="C00000"/>
+                </a:solidFill>
+              </a:rPr>
               <a:t>　　</a:t>
             </a:r>
             <a:r>
-              <a:rPr kumimoji="1" lang="en-US" altLang="ja-JP" sz="2000" dirty="0" smtClean="0"/>
+              <a:rPr kumimoji="1" lang="en-US" altLang="ja-JP" sz="2000" dirty="0" smtClean="0">
+                <a:solidFill>
+                  <a:srgbClr val="C00000"/>
+                </a:solidFill>
+              </a:rPr>
               <a:t>                                                    </a:t>
             </a:r>
           </a:p>
@@ -6570,45 +6730,125 @@
             <a:pPr marL="0" indent="0">
               <a:buNone/>
             </a:pPr>
-            <a:endParaRPr kumimoji="1" lang="en-US" altLang="ja-JP" sz="2000" dirty="0"/>
+            <a:endParaRPr kumimoji="1" lang="en-US" altLang="ja-JP" sz="2000" dirty="0">
+              <a:solidFill>
+                <a:srgbClr val="C00000"/>
+              </a:solidFill>
+            </a:endParaRPr>
           </a:p>
           <a:p>
             <a:pPr marL="0" indent="0">
               <a:buNone/>
             </a:pPr>
-            <a:endParaRPr kumimoji="1" lang="en-US" altLang="ja-JP" sz="2000" dirty="0" smtClean="0"/>
+            <a:endParaRPr kumimoji="1" lang="en-US" altLang="ja-JP" sz="2000" dirty="0" smtClean="0">
+              <a:solidFill>
+                <a:srgbClr val="C00000"/>
+              </a:solidFill>
+            </a:endParaRPr>
           </a:p>
           <a:p>
             <a:pPr marL="0" indent="0">
               <a:buNone/>
             </a:pPr>
-            <a:endParaRPr kumimoji="1" lang="en-US" altLang="ja-JP" sz="2000" dirty="0" smtClean="0"/>
+            <a:endParaRPr kumimoji="1" lang="en-US" altLang="ja-JP" sz="2000" dirty="0" smtClean="0">
+              <a:solidFill>
+                <a:srgbClr val="C00000"/>
+              </a:solidFill>
+            </a:endParaRPr>
           </a:p>
           <a:p>
             <a:pPr marL="0" indent="0">
               <a:buNone/>
             </a:pPr>
-            <a:endParaRPr kumimoji="1" lang="en-US" altLang="ja-JP" sz="1100" dirty="0" smtClean="0"/>
+            <a:endParaRPr kumimoji="1" lang="en-US" altLang="ja-JP" sz="1100" dirty="0" smtClean="0">
+              <a:solidFill>
+                <a:srgbClr val="C00000"/>
+              </a:solidFill>
+            </a:endParaRPr>
           </a:p>
           <a:p>
             <a:pPr marL="0" indent="0">
               <a:buNone/>
             </a:pPr>
             <a:r>
-              <a:rPr kumimoji="1" lang="ja-JP" altLang="en-US" sz="2000" b="1" dirty="0" smtClean="0"/>
-              <a:t>コードを実行し，予想と比べてください</a:t>
-            </a:r>
-            <a:endParaRPr kumimoji="1" lang="en-US" altLang="ja-JP" sz="2000" b="1" dirty="0" smtClean="0"/>
+              <a:rPr lang="ja-JP" altLang="en-US" sz="2000" b="1" dirty="0">
+                <a:solidFill>
+                  <a:srgbClr val="C00000"/>
+                </a:solidFill>
+              </a:rPr>
+              <a:t>実習 </a:t>
+            </a:r>
+            <a:r>
+              <a:rPr lang="en-US" altLang="ja-JP" sz="2000" b="1" dirty="0">
+                <a:solidFill>
+                  <a:srgbClr val="C00000"/>
+                </a:solidFill>
+              </a:rPr>
+              <a:t>:</a:t>
+            </a:r>
+            <a:r>
+              <a:rPr kumimoji="1" lang="ja-JP" altLang="en-US" sz="2000" b="1" dirty="0" smtClean="0">
+                <a:solidFill>
+                  <a:srgbClr val="C00000"/>
+                </a:solidFill>
+              </a:rPr>
+              <a:t>コード</a:t>
+            </a:r>
+            <a:r>
+              <a:rPr kumimoji="1" lang="ja-JP" altLang="en-US" sz="2000" b="1" dirty="0" smtClean="0">
+                <a:solidFill>
+                  <a:srgbClr val="C00000"/>
+                </a:solidFill>
+              </a:rPr>
+              <a:t>を実行し，予想と比べてください</a:t>
+            </a:r>
+            <a:endParaRPr kumimoji="1" lang="en-US" altLang="ja-JP" sz="2000" b="1" dirty="0" smtClean="0">
+              <a:solidFill>
+                <a:srgbClr val="C00000"/>
+              </a:solidFill>
+            </a:endParaRPr>
           </a:p>
           <a:p>
             <a:pPr marL="0" indent="0">
               <a:buNone/>
             </a:pPr>
             <a:r>
-              <a:rPr kumimoji="1" lang="ja-JP" altLang="en-US" sz="2000" b="1" dirty="0" smtClean="0"/>
-              <a:t>コードの中身を色々変化させ，配列とタプルの挙動を確認してください</a:t>
-            </a:r>
-            <a:endParaRPr kumimoji="1" lang="en-US" altLang="ja-JP" sz="2000" b="1" dirty="0" smtClean="0"/>
+              <a:rPr lang="ja-JP" altLang="en-US" sz="2000" b="1" dirty="0">
+                <a:solidFill>
+                  <a:srgbClr val="C00000"/>
+                </a:solidFill>
+              </a:rPr>
+              <a:t>実習 </a:t>
+            </a:r>
+            <a:r>
+              <a:rPr lang="en-US" altLang="ja-JP" sz="2000" b="1" dirty="0">
+                <a:solidFill>
+                  <a:srgbClr val="C00000"/>
+                </a:solidFill>
+              </a:rPr>
+              <a:t>:</a:t>
+            </a:r>
+            <a:r>
+              <a:rPr kumimoji="1" lang="ja-JP" altLang="en-US" sz="2000" b="1" dirty="0" smtClean="0">
+                <a:solidFill>
+                  <a:srgbClr val="C00000"/>
+                </a:solidFill>
+              </a:rPr>
+              <a:t>コード</a:t>
+            </a:r>
+            <a:r>
+              <a:rPr kumimoji="1" lang="ja-JP" altLang="en-US" sz="2000" b="1" dirty="0" smtClean="0">
+                <a:solidFill>
+                  <a:srgbClr val="C00000"/>
+                </a:solidFill>
+              </a:rPr>
+              <a:t>の中身を色々変化させ，配列とタプルの挙動を確認してください</a:t>
+            </a:r>
+            <a:endParaRPr kumimoji="1" lang="en-US" altLang="ja-JP" sz="2000" b="1" dirty="0" smtClean="0">
+              <a:solidFill>
+                <a:srgbClr val="C00000"/>
+              </a:solidFill>
+            </a:endParaRPr>
           </a:p>
           <a:p>
             <a:pPr marL="0" indent="0">
@@ -6617,7 +6857,7 @@
             <a:r>
               <a:rPr lang="en-US" altLang="ja-JP" sz="2000" dirty="0" smtClean="0">
                 <a:solidFill>
-                  <a:srgbClr val="FF0000"/>
+                  <a:srgbClr val="00B050"/>
                 </a:solidFill>
               </a:rPr>
               <a:t>※ </a:t>
@@ -6625,7 +6865,7 @@
             <a:r>
               <a:rPr lang="ja-JP" altLang="en-US" sz="2000" dirty="0" smtClean="0">
                 <a:solidFill>
-                  <a:srgbClr val="FF0000"/>
+                  <a:srgbClr val="00B050"/>
                 </a:solidFill>
               </a:rPr>
               <a:t>配列は</a:t>
@@ -6633,7 +6873,7 @@
             <a:r>
               <a:rPr lang="en-US" altLang="ja-JP" sz="2000" dirty="0" smtClean="0">
                 <a:solidFill>
-                  <a:srgbClr val="FF0000"/>
+                  <a:srgbClr val="00B050"/>
                 </a:solidFill>
               </a:rPr>
               <a:t>[], </a:t>
@@ -6641,7 +6881,7 @@
             <a:r>
               <a:rPr lang="en-US" altLang="ja-JP" sz="2000" dirty="0" err="1" smtClean="0">
                 <a:solidFill>
-                  <a:srgbClr val="FF0000"/>
+                  <a:srgbClr val="00B050"/>
                 </a:solidFill>
               </a:rPr>
               <a:t>tupple</a:t>
@@ -6649,7 +6889,7 @@
             <a:r>
               <a:rPr lang="ja-JP" altLang="en-US" sz="2000" dirty="0" smtClean="0">
                 <a:solidFill>
-                  <a:srgbClr val="FF0000"/>
+                  <a:srgbClr val="00B050"/>
                 </a:solidFill>
               </a:rPr>
               <a:t>は</a:t>
@@ -6657,7 +6897,7 @@
             <a:r>
               <a:rPr lang="en-US" altLang="ja-JP" sz="2000" dirty="0" smtClean="0">
                 <a:solidFill>
-                  <a:srgbClr val="FF0000"/>
+                  <a:srgbClr val="00B050"/>
                 </a:solidFill>
               </a:rPr>
               <a:t>()</a:t>
@@ -6665,14 +6905,14 @@
             <a:r>
               <a:rPr lang="ja-JP" altLang="en-US" sz="2000" dirty="0" smtClean="0">
                 <a:solidFill>
-                  <a:srgbClr val="FF0000"/>
+                  <a:srgbClr val="00B050"/>
                 </a:solidFill>
               </a:rPr>
               <a:t>で表現される</a:t>
             </a:r>
             <a:endParaRPr lang="en-US" altLang="ja-JP" sz="2000" dirty="0" smtClean="0">
               <a:solidFill>
-                <a:srgbClr val="FF0000"/>
+                <a:srgbClr val="00B050"/>
               </a:solidFill>
             </a:endParaRPr>
           </a:p>
@@ -6683,7 +6923,7 @@
             <a:r>
               <a:rPr lang="en-US" altLang="ja-JP" sz="2000" dirty="0" smtClean="0">
                 <a:solidFill>
-                  <a:srgbClr val="FF0000"/>
+                  <a:srgbClr val="00B050"/>
                 </a:solidFill>
               </a:rPr>
               <a:t>※ </a:t>
@@ -6691,14 +6931,14 @@
             <a:r>
               <a:rPr lang="ja-JP" altLang="en-US" sz="2000" dirty="0" smtClean="0">
                 <a:solidFill>
-                  <a:srgbClr val="FF0000"/>
+                  <a:srgbClr val="00B050"/>
                 </a:solidFill>
               </a:rPr>
               <a:t>配列要素の変更・追加・削除ができる</a:t>
             </a:r>
             <a:endParaRPr lang="en-US" altLang="ja-JP" sz="2000" dirty="0" smtClean="0">
               <a:solidFill>
-                <a:srgbClr val="FF0000"/>
+                <a:srgbClr val="00B050"/>
               </a:solidFill>
             </a:endParaRPr>
           </a:p>
@@ -6709,7 +6949,7 @@
             <a:r>
               <a:rPr lang="en-US" altLang="ja-JP" sz="2000" dirty="0" smtClean="0">
                 <a:solidFill>
-                  <a:srgbClr val="FF0000"/>
+                  <a:srgbClr val="00B050"/>
                 </a:solidFill>
               </a:rPr>
               <a:t>※ </a:t>
@@ -6717,7 +6957,7 @@
             <a:r>
               <a:rPr lang="en-US" altLang="ja-JP" sz="2000" dirty="0" err="1" smtClean="0">
                 <a:solidFill>
-                  <a:srgbClr val="FF0000"/>
+                  <a:srgbClr val="00B050"/>
                 </a:solidFill>
               </a:rPr>
               <a:t>len</a:t>
@@ -6725,7 +6965,7 @@
             <a:r>
               <a:rPr lang="en-US" altLang="ja-JP" sz="2000" dirty="0" smtClean="0">
                 <a:solidFill>
-                  <a:srgbClr val="FF0000"/>
+                  <a:srgbClr val="00B050"/>
                 </a:solidFill>
               </a:rPr>
               <a:t>(</a:t>
@@ -6733,7 +6973,7 @@
             <a:r>
               <a:rPr lang="ja-JP" altLang="en-US" sz="2000" dirty="0" smtClean="0">
                 <a:solidFill>
-                  <a:srgbClr val="FF0000"/>
+                  <a:srgbClr val="00B050"/>
                 </a:solidFill>
               </a:rPr>
               <a:t>配列名</a:t>
@@ -6741,7 +6981,7 @@
             <a:r>
               <a:rPr lang="en-US" altLang="ja-JP" sz="2000" dirty="0" smtClean="0">
                 <a:solidFill>
-                  <a:srgbClr val="FF0000"/>
+                  <a:srgbClr val="00B050"/>
                 </a:solidFill>
               </a:rPr>
               <a:t>)</a:t>
@@ -6749,14 +6989,14 @@
             <a:r>
               <a:rPr lang="ja-JP" altLang="en-US" sz="2000" dirty="0" smtClean="0">
                 <a:solidFill>
-                  <a:srgbClr val="FF0000"/>
+                  <a:srgbClr val="00B050"/>
                 </a:solidFill>
               </a:rPr>
               <a:t>で長さを取得できる</a:t>
             </a:r>
             <a:endParaRPr lang="en-US" altLang="ja-JP" sz="2000" dirty="0" smtClean="0">
               <a:solidFill>
-                <a:srgbClr val="FF0000"/>
+                <a:srgbClr val="00B050"/>
               </a:solidFill>
             </a:endParaRPr>
           </a:p>
@@ -6767,7 +7007,7 @@
             <a:r>
               <a:rPr lang="en-US" altLang="ja-JP" sz="2000" dirty="0" smtClean="0">
                 <a:solidFill>
-                  <a:srgbClr val="FF0000"/>
+                  <a:srgbClr val="00B050"/>
                 </a:solidFill>
               </a:rPr>
               <a:t>※ 2</a:t>
@@ -6775,14 +7015,14 @@
             <a:r>
               <a:rPr lang="ja-JP" altLang="en-US" sz="2000" dirty="0" smtClean="0">
                 <a:solidFill>
-                  <a:srgbClr val="FF0000"/>
+                  <a:srgbClr val="00B050"/>
                 </a:solidFill>
               </a:rPr>
               <a:t>次元配列（行列）も表現可能</a:t>
             </a:r>
             <a:endParaRPr lang="en-US" altLang="ja-JP" sz="2000" dirty="0" smtClean="0">
               <a:solidFill>
-                <a:srgbClr val="FF0000"/>
+                <a:srgbClr val="00B050"/>
               </a:solidFill>
             </a:endParaRPr>
           </a:p>
@@ -7909,8 +8149,20 @@
               <a:buNone/>
             </a:pPr>
             <a:r>
+              <a:rPr lang="ja-JP" altLang="en-US" sz="2000" b="1" dirty="0" smtClean="0"/>
+              <a:t>実習 </a:t>
+            </a:r>
+            <a:r>
+              <a:rPr lang="en-US" altLang="ja-JP" sz="2000" b="1" dirty="0" smtClean="0"/>
+              <a:t>: </a:t>
+            </a:r>
+            <a:r>
               <a:rPr kumimoji="1" lang="ja-JP" altLang="en-US" sz="2000" b="1" dirty="0" smtClean="0"/>
-              <a:t>右のコード</a:t>
+              <a:t>右</a:t>
+            </a:r>
+            <a:r>
+              <a:rPr kumimoji="1" lang="ja-JP" altLang="en-US" sz="2000" b="1" dirty="0" smtClean="0"/>
+              <a:t>のコード</a:t>
             </a:r>
             <a:r>
               <a:rPr lang="ja-JP" altLang="en-US" sz="2000" b="1" dirty="0" smtClean="0"/>
@@ -7931,8 +8183,20 @@
               <a:buNone/>
             </a:pPr>
             <a:r>
+              <a:rPr lang="ja-JP" altLang="en-US" sz="2000" b="1" dirty="0"/>
+              <a:t>実習 </a:t>
+            </a:r>
+            <a:r>
+              <a:rPr lang="en-US" altLang="ja-JP" sz="2000" b="1" dirty="0" smtClean="0"/>
+              <a:t>: </a:t>
+            </a:r>
+            <a:r>
               <a:rPr kumimoji="1" lang="ja-JP" altLang="en-US" sz="2000" b="1" dirty="0" smtClean="0"/>
-              <a:t>コードの中身を色々変化させ，</a:t>
+              <a:t>コード</a:t>
+            </a:r>
+            <a:r>
+              <a:rPr kumimoji="1" lang="ja-JP" altLang="en-US" sz="2000" b="1" dirty="0" smtClean="0"/>
+              <a:t>の中身を色々変化させ，</a:t>
             </a:r>
             <a:r>
               <a:rPr kumimoji="1" lang="en-US" altLang="ja-JP" sz="2000" b="1" dirty="0" err="1" smtClean="0"/>
@@ -7961,7 +8225,7 @@
             <a:r>
               <a:rPr lang="en-US" altLang="ja-JP" sz="2000" dirty="0" smtClean="0">
                 <a:solidFill>
-                  <a:srgbClr val="FF0000"/>
+                  <a:srgbClr val="00B050"/>
                 </a:solidFill>
               </a:rPr>
               <a:t>※『import </a:t>
@@ -7969,7 +8233,7 @@
             <a:r>
               <a:rPr lang="en-US" altLang="ja-JP" sz="2000" dirty="0" err="1" smtClean="0">
                 <a:solidFill>
-                  <a:srgbClr val="FF0000"/>
+                  <a:srgbClr val="00B050"/>
                 </a:solidFill>
               </a:rPr>
               <a:t>numpy</a:t>
@@ -7977,7 +8241,7 @@
             <a:r>
               <a:rPr lang="en-US" altLang="ja-JP" sz="2000" dirty="0" smtClean="0">
                 <a:solidFill>
-                  <a:srgbClr val="FF0000"/>
+                  <a:srgbClr val="00B050"/>
                 </a:solidFill>
               </a:rPr>
               <a:t> as np』</a:t>
@@ -7985,7 +8249,7 @@
             <a:r>
               <a:rPr lang="ja-JP" altLang="en-US" sz="2000" dirty="0" smtClean="0">
                 <a:solidFill>
-                  <a:srgbClr val="FF0000"/>
+                  <a:srgbClr val="00B050"/>
                 </a:solidFill>
               </a:rPr>
               <a:t>は</a:t>
@@ -7993,7 +8257,7 @@
             <a:r>
               <a:rPr lang="en-US" altLang="ja-JP" sz="2000" dirty="0" err="1" smtClean="0">
                 <a:solidFill>
-                  <a:srgbClr val="FF0000"/>
+                  <a:srgbClr val="00B050"/>
                 </a:solidFill>
               </a:rPr>
               <a:t>numpy</a:t>
@@ -8001,14 +8265,14 @@
             <a:r>
               <a:rPr lang="ja-JP" altLang="en-US" sz="2000" dirty="0" smtClean="0">
                 <a:solidFill>
-                  <a:srgbClr val="FF0000"/>
+                  <a:srgbClr val="00B050"/>
                 </a:solidFill>
               </a:rPr>
               <a:t>関連のモジュールのインポート文</a:t>
             </a:r>
             <a:endParaRPr lang="en-US" altLang="ja-JP" sz="2000" dirty="0" smtClean="0">
               <a:solidFill>
-                <a:srgbClr val="FF0000"/>
+                <a:srgbClr val="00B050"/>
               </a:solidFill>
             </a:endParaRPr>
           </a:p>
@@ -8019,7 +8283,7 @@
             <a:r>
               <a:rPr lang="en-US" altLang="ja-JP" sz="2000" dirty="0" smtClean="0">
                 <a:solidFill>
-                  <a:srgbClr val="FF0000"/>
+                  <a:srgbClr val="00B050"/>
                 </a:solidFill>
               </a:rPr>
               <a:t>※</a:t>
@@ -8027,7 +8291,7 @@
             <a:r>
               <a:rPr lang="ja-JP" altLang="en-US" sz="2000" dirty="0">
                 <a:solidFill>
-                  <a:srgbClr val="FF0000"/>
+                  <a:srgbClr val="00B050"/>
                 </a:solidFill>
               </a:rPr>
               <a:t> </a:t>
@@ -8035,7 +8299,7 @@
             <a:r>
               <a:rPr lang="en-US" altLang="ja-JP" sz="2000" dirty="0" smtClean="0">
                 <a:solidFill>
-                  <a:srgbClr val="FF0000"/>
+                  <a:srgbClr val="00B050"/>
                 </a:solidFill>
               </a:rPr>
               <a:t>python &amp; </a:t>
@@ -8043,7 +8307,7 @@
             <a:r>
               <a:rPr lang="en-US" altLang="ja-JP" sz="2000" dirty="0" err="1" smtClean="0">
                 <a:solidFill>
-                  <a:srgbClr val="FF0000"/>
+                  <a:srgbClr val="00B050"/>
                 </a:solidFill>
               </a:rPr>
               <a:t>openCV</a:t>
@@ -8051,7 +8315,7 @@
             <a:r>
               <a:rPr lang="ja-JP" altLang="en-US" sz="2000" dirty="0" smtClean="0">
                 <a:solidFill>
-                  <a:srgbClr val="FF0000"/>
+                  <a:srgbClr val="00B050"/>
                 </a:solidFill>
               </a:rPr>
               <a:t>環境では，</a:t>
@@ -8059,7 +8323,7 @@
             <a:r>
               <a:rPr lang="en-US" altLang="ja-JP" sz="2000" dirty="0" err="1" smtClean="0">
                 <a:solidFill>
-                  <a:srgbClr val="FF0000"/>
+                  <a:srgbClr val="00B050"/>
                 </a:solidFill>
               </a:rPr>
               <a:t>np.array</a:t>
@@ -8067,7 +8331,7 @@
             <a:r>
               <a:rPr lang="ja-JP" altLang="en-US" sz="2000" dirty="0" smtClean="0">
                 <a:solidFill>
-                  <a:srgbClr val="FF0000"/>
+                  <a:srgbClr val="00B050"/>
                 </a:solidFill>
               </a:rPr>
               <a:t>で</a:t>
@@ -8075,7 +8339,7 @@
             <a:r>
               <a:rPr lang="ja-JP" altLang="en-US" sz="2000" dirty="0">
                 <a:solidFill>
-                  <a:srgbClr val="FF0000"/>
+                  <a:srgbClr val="00B050"/>
                 </a:solidFill>
               </a:rPr>
               <a:t>画像を</a:t>
@@ -8083,14 +8347,14 @@
             <a:r>
               <a:rPr lang="ja-JP" altLang="en-US" sz="2000" dirty="0" smtClean="0">
                 <a:solidFill>
-                  <a:srgbClr val="FF0000"/>
+                  <a:srgbClr val="00B050"/>
                 </a:solidFill>
               </a:rPr>
               <a:t>表現</a:t>
             </a:r>
             <a:endParaRPr lang="en-US" altLang="ja-JP" sz="2000" dirty="0" smtClean="0">
               <a:solidFill>
-                <a:srgbClr val="FF0000"/>
+                <a:srgbClr val="00B050"/>
               </a:solidFill>
             </a:endParaRPr>
           </a:p>
@@ -8101,7 +8365,7 @@
             <a:r>
               <a:rPr lang="en-US" altLang="ja-JP" sz="2000" dirty="0" smtClean="0">
                 <a:solidFill>
-                  <a:srgbClr val="FF0000"/>
+                  <a:srgbClr val="00B050"/>
                 </a:solidFill>
               </a:rPr>
               <a:t>※</a:t>
@@ -8109,7 +8373,7 @@
             <a:r>
               <a:rPr lang="ja-JP" altLang="en-US" sz="2000" dirty="0">
                 <a:solidFill>
-                  <a:srgbClr val="FF0000"/>
+                  <a:srgbClr val="00B050"/>
                 </a:solidFill>
               </a:rPr>
               <a:t> </a:t>
@@ -8117,14 +8381,14 @@
             <a:r>
               <a:rPr lang="ja-JP" altLang="en-US" sz="2000" dirty="0" smtClean="0">
                 <a:solidFill>
-                  <a:srgbClr val="FF0000"/>
+                  <a:srgbClr val="00B050"/>
                 </a:solidFill>
               </a:rPr>
               <a:t>要素ごとの演算が一行で書ける（画像と画像の和など）</a:t>
             </a:r>
             <a:endParaRPr lang="en-US" altLang="ja-JP" sz="2000" dirty="0" smtClean="0">
               <a:solidFill>
-                <a:srgbClr val="FF0000"/>
+                <a:srgbClr val="00B050"/>
               </a:solidFill>
             </a:endParaRPr>
           </a:p>
@@ -8135,7 +8399,7 @@
             <a:r>
               <a:rPr lang="en-US" altLang="ja-JP" sz="2000" dirty="0" smtClean="0">
                 <a:solidFill>
-                  <a:srgbClr val="FF0000"/>
+                  <a:srgbClr val="00B050"/>
                 </a:solidFill>
               </a:rPr>
               <a:t>※ np</a:t>
@@ -8143,7 +8407,7 @@
             <a:r>
               <a:rPr lang="ja-JP" altLang="en-US" sz="2000" dirty="0" smtClean="0">
                 <a:solidFill>
-                  <a:srgbClr val="FF0000"/>
+                  <a:srgbClr val="00B050"/>
                 </a:solidFill>
               </a:rPr>
               <a:t>配列名</a:t>
@@ -8151,7 +8415,7 @@
             <a:r>
               <a:rPr lang="en-US" altLang="ja-JP" sz="2000" dirty="0" smtClean="0">
                 <a:solidFill>
-                  <a:srgbClr val="FF0000"/>
+                  <a:srgbClr val="00B050"/>
                 </a:solidFill>
               </a:rPr>
               <a:t>.shape</a:t>
@@ -8159,14 +8423,14 @@
             <a:r>
               <a:rPr lang="ja-JP" altLang="en-US" sz="2000" dirty="0" smtClean="0">
                 <a:solidFill>
-                  <a:srgbClr val="FF0000"/>
+                  <a:srgbClr val="00B050"/>
                 </a:solidFill>
               </a:rPr>
               <a:t>で配列サイズを取得</a:t>
             </a:r>
             <a:endParaRPr lang="en-US" altLang="ja-JP" sz="2000" dirty="0" smtClean="0">
               <a:solidFill>
-                <a:srgbClr val="FF0000"/>
+                <a:srgbClr val="00B050"/>
               </a:solidFill>
             </a:endParaRPr>
           </a:p>
@@ -10248,8 +10512,20 @@
               <a:buNone/>
             </a:pPr>
             <a:r>
+              <a:rPr lang="ja-JP" altLang="en-US" sz="2000" b="1" dirty="0" smtClean="0"/>
+              <a:t>実習 </a:t>
+            </a:r>
+            <a:r>
+              <a:rPr lang="en-US" altLang="ja-JP" sz="2000" b="1" dirty="0" smtClean="0"/>
+              <a:t>: </a:t>
+            </a:r>
+            <a:r>
+              <a:rPr lang="ja-JP" altLang="en-US" sz="2000" b="1" dirty="0" smtClean="0"/>
+              <a:t>右</a:t>
+            </a:r>
+            <a:r>
               <a:rPr lang="ja-JP" altLang="en-US" sz="2000" b="1" dirty="0"/>
-              <a:t>右のコードを実行してみてください</a:t>
+              <a:t>のコードを実行してみてください</a:t>
             </a:r>
             <a:endParaRPr lang="en-US" altLang="ja-JP" sz="2000" b="1" dirty="0"/>
           </a:p>
@@ -10259,7 +10535,19 @@
             </a:pPr>
             <a:r>
               <a:rPr lang="ja-JP" altLang="en-US" sz="2000" b="1" dirty="0"/>
-              <a:t>右のコードを少し変更して挙動を確かめてください</a:t>
+              <a:t>実習 </a:t>
+            </a:r>
+            <a:r>
+              <a:rPr lang="en-US" altLang="ja-JP" sz="2000" b="1" dirty="0" smtClean="0"/>
+              <a:t>: </a:t>
+            </a:r>
+            <a:r>
+              <a:rPr lang="ja-JP" altLang="en-US" sz="2000" b="1" dirty="0" smtClean="0"/>
+              <a:t>右</a:t>
+            </a:r>
+            <a:r>
+              <a:rPr lang="ja-JP" altLang="en-US" sz="2000" b="1" dirty="0"/>
+              <a:t>のコードを少し変更して挙動を確かめてください</a:t>
             </a:r>
             <a:endParaRPr lang="en-US" altLang="ja-JP" sz="2000" b="1" dirty="0"/>
           </a:p>
@@ -10276,7 +10564,7 @@
             <a:r>
               <a:rPr lang="en-US" altLang="ja-JP" sz="2000" dirty="0">
                 <a:solidFill>
-                  <a:srgbClr val="FF0000"/>
+                  <a:srgbClr val="00B050"/>
                 </a:solidFill>
               </a:rPr>
               <a:t>※</a:t>
@@ -10284,7 +10572,7 @@
             <a:r>
               <a:rPr lang="ja-JP" altLang="en-US" sz="2000" dirty="0" smtClean="0">
                 <a:solidFill>
-                  <a:srgbClr val="FF0000"/>
+                  <a:srgbClr val="00B050"/>
                 </a:solidFill>
               </a:rPr>
               <a:t>インデント</a:t>
@@ -10292,7 +10580,7 @@
             <a:r>
               <a:rPr lang="ja-JP" altLang="en-US" sz="2000" dirty="0">
                 <a:solidFill>
-                  <a:srgbClr val="FF0000"/>
+                  <a:srgbClr val="00B050"/>
                 </a:solidFill>
               </a:rPr>
               <a:t>により</a:t>
@@ -10300,7 +10588,7 @@
             <a:r>
               <a:rPr lang="ja-JP" altLang="en-US" sz="2000" dirty="0" smtClean="0">
                 <a:solidFill>
-                  <a:srgbClr val="FF0000"/>
+                  <a:srgbClr val="00B050"/>
                 </a:solidFill>
               </a:rPr>
               <a:t>ブロックを定義する　（</a:t>
@@ -10308,7 +10596,7 @@
             <a:r>
               <a:rPr lang="en-US" altLang="ja-JP" sz="2000" dirty="0" smtClean="0">
                 <a:solidFill>
-                  <a:srgbClr val="FF0000"/>
+                  <a:srgbClr val="00B050"/>
                 </a:solidFill>
               </a:rPr>
               <a:t>C</a:t>
@@ -10316,7 +10604,7 @@
             <a:r>
               <a:rPr lang="ja-JP" altLang="en-US" sz="2000" dirty="0" smtClean="0">
                 <a:solidFill>
-                  <a:srgbClr val="FF0000"/>
+                  <a:srgbClr val="00B050"/>
                 </a:solidFill>
               </a:rPr>
               <a:t>では</a:t>
@@ -10324,7 +10612,7 @@
             <a:r>
               <a:rPr lang="en-US" altLang="ja-JP" sz="2000" dirty="0" smtClean="0">
                 <a:solidFill>
-                  <a:srgbClr val="FF0000"/>
+                  <a:srgbClr val="00B050"/>
                 </a:solidFill>
               </a:rPr>
               <a:t>{}</a:t>
@@ -10332,7 +10620,7 @@
             <a:r>
               <a:rPr lang="ja-JP" altLang="en-US" sz="2000" dirty="0">
                 <a:solidFill>
-                  <a:srgbClr val="FF0000"/>
+                  <a:srgbClr val="00B050"/>
                 </a:solidFill>
               </a:rPr>
               <a:t>で</a:t>
@@ -10340,14 +10628,14 @@
             <a:r>
               <a:rPr lang="ja-JP" altLang="en-US" sz="2000" dirty="0" smtClean="0">
                 <a:solidFill>
-                  <a:srgbClr val="FF0000"/>
+                  <a:srgbClr val="00B050"/>
                 </a:solidFill>
               </a:rPr>
               <a:t>ブロックを定義した）</a:t>
             </a:r>
             <a:endParaRPr lang="en-US" altLang="ja-JP" sz="2000" dirty="0">
               <a:solidFill>
-                <a:srgbClr val="FF0000"/>
+                <a:srgbClr val="00B050"/>
               </a:solidFill>
             </a:endParaRPr>
           </a:p>
@@ -10358,7 +10646,7 @@
             <a:r>
               <a:rPr lang="en-US" altLang="ja-JP" sz="2000" dirty="0" smtClean="0">
                 <a:solidFill>
-                  <a:srgbClr val="FF0000"/>
+                  <a:srgbClr val="00B050"/>
                 </a:solidFill>
               </a:rPr>
               <a:t>※</a:t>
@@ -10366,7 +10654,7 @@
             <a:r>
               <a:rPr lang="ja-JP" altLang="en-US" sz="2000" dirty="0" smtClean="0">
                 <a:solidFill>
-                  <a:srgbClr val="FF0000"/>
+                  <a:srgbClr val="00B050"/>
                 </a:solidFill>
               </a:rPr>
               <a:t>ブロック開始部分に </a:t>
@@ -10374,7 +10662,7 @@
             <a:r>
               <a:rPr lang="en-US" altLang="ja-JP" sz="2000" dirty="0" smtClean="0">
                 <a:solidFill>
-                  <a:srgbClr val="FF0000"/>
+                  <a:srgbClr val="00B050"/>
                 </a:solidFill>
               </a:rPr>
               <a:t>『:』</a:t>
@@ -10382,14 +10670,14 @@
             <a:r>
               <a:rPr lang="ja-JP" altLang="en-US" sz="2000" dirty="0" smtClean="0">
                 <a:solidFill>
-                  <a:srgbClr val="FF0000"/>
+                  <a:srgbClr val="00B050"/>
                 </a:solidFill>
               </a:rPr>
               <a:t>が必要</a:t>
             </a:r>
             <a:endParaRPr lang="en-US" altLang="ja-JP" sz="2000" dirty="0">
               <a:solidFill>
-                <a:srgbClr val="FF0000"/>
+                <a:srgbClr val="00B050"/>
               </a:solidFill>
             </a:endParaRPr>
           </a:p>
@@ -10400,7 +10688,7 @@
             <a:r>
               <a:rPr lang="en-US" altLang="ja-JP" sz="2000" dirty="0">
                 <a:solidFill>
-                  <a:srgbClr val="FF0000"/>
+                  <a:srgbClr val="00B050"/>
                 </a:solidFill>
               </a:rPr>
               <a:t>※ 『for </a:t>
@@ -10408,7 +10696,7 @@
             <a:r>
               <a:rPr lang="en-US" altLang="ja-JP" sz="2000" dirty="0" smtClean="0">
                 <a:solidFill>
-                  <a:srgbClr val="FF0000"/>
+                  <a:srgbClr val="00B050"/>
                 </a:solidFill>
               </a:rPr>
               <a:t>p </a:t>
@@ -10416,7 +10704,7 @@
             <a:r>
               <a:rPr lang="en-US" altLang="ja-JP" sz="2000" dirty="0">
                 <a:solidFill>
-                  <a:srgbClr val="FF0000"/>
+                  <a:srgbClr val="00B050"/>
                 </a:solidFill>
               </a:rPr>
               <a:t>in </a:t>
@@ -10424,7 +10712,7 @@
             <a:r>
               <a:rPr lang="en-US" altLang="ja-JP" sz="2000" dirty="0" smtClean="0">
                 <a:solidFill>
-                  <a:srgbClr val="FF0000"/>
+                  <a:srgbClr val="00B050"/>
                 </a:solidFill>
               </a:rPr>
               <a:t>A :』</a:t>
@@ -10432,7 +10720,7 @@
             <a:r>
               <a:rPr lang="ja-JP" altLang="en-US" sz="2000" dirty="0" smtClean="0">
                 <a:solidFill>
-                  <a:srgbClr val="FF0000"/>
+                  <a:srgbClr val="00B050"/>
                 </a:solidFill>
               </a:rPr>
               <a:t>で</a:t>
@@ -10440,7 +10728,7 @@
             <a:r>
               <a:rPr lang="en-US" altLang="ja-JP" sz="2000" dirty="0" smtClean="0">
                 <a:solidFill>
-                  <a:srgbClr val="FF0000"/>
+                  <a:srgbClr val="00B050"/>
                 </a:solidFill>
               </a:rPr>
               <a:t>A</a:t>
@@ -10448,14 +10736,14 @@
             <a:r>
               <a:rPr lang="ja-JP" altLang="en-US" sz="2000" dirty="0" smtClean="0">
                 <a:solidFill>
-                  <a:srgbClr val="FF0000"/>
+                  <a:srgbClr val="00B050"/>
                 </a:solidFill>
               </a:rPr>
               <a:t>のすべての要素に順にアクセスできる</a:t>
             </a:r>
             <a:endParaRPr lang="en-US" altLang="ja-JP" sz="2000" dirty="0" smtClean="0">
               <a:solidFill>
-                <a:srgbClr val="FF0000"/>
+                <a:srgbClr val="00B050"/>
               </a:solidFill>
             </a:endParaRPr>
           </a:p>
@@ -10466,7 +10754,7 @@
             <a:r>
               <a:rPr lang="en-US" altLang="ja-JP" sz="2000" dirty="0" smtClean="0">
                 <a:solidFill>
-                  <a:srgbClr val="FF0000"/>
+                  <a:srgbClr val="00B050"/>
                 </a:solidFill>
               </a:rPr>
               <a:t>※ 『for </a:t>
@@ -10474,7 +10762,7 @@
             <a:r>
               <a:rPr lang="en-US" altLang="ja-JP" sz="2000" dirty="0" err="1">
                 <a:solidFill>
-                  <a:srgbClr val="FF0000"/>
+                  <a:srgbClr val="00B050"/>
                 </a:solidFill>
               </a:rPr>
               <a:t>i</a:t>
@@ -10482,7 +10770,7 @@
             <a:r>
               <a:rPr lang="en-US" altLang="ja-JP" sz="2000" dirty="0" smtClean="0">
                 <a:solidFill>
-                  <a:srgbClr val="FF0000"/>
+                  <a:srgbClr val="00B050"/>
                 </a:solidFill>
               </a:rPr>
               <a:t> in range(a, b) :』</a:t>
@@ -10490,7 +10778,7 @@
             <a:r>
               <a:rPr lang="ja-JP" altLang="en-US" sz="2000" dirty="0" smtClean="0">
                 <a:solidFill>
-                  <a:srgbClr val="FF0000"/>
+                  <a:srgbClr val="00B050"/>
                 </a:solidFill>
               </a:rPr>
               <a:t>で </a:t>
@@ -10498,7 +10786,7 @@
             <a:r>
               <a:rPr lang="en-US" altLang="ja-JP" sz="2000" dirty="0" err="1" smtClean="0">
                 <a:solidFill>
-                  <a:srgbClr val="FF0000"/>
+                  <a:srgbClr val="00B050"/>
                 </a:solidFill>
               </a:rPr>
               <a:t>i</a:t>
@@ -10506,7 +10794,7 @@
             <a:r>
               <a:rPr lang="en-US" altLang="ja-JP" sz="2000" dirty="0" smtClean="0">
                 <a:solidFill>
-                  <a:srgbClr val="FF0000"/>
+                  <a:srgbClr val="00B050"/>
                 </a:solidFill>
               </a:rPr>
               <a:t> = a~b-1</a:t>
@@ -10514,12 +10802,16 @@
             <a:r>
               <a:rPr lang="ja-JP" altLang="en-US" sz="2000" dirty="0" smtClean="0">
                 <a:solidFill>
-                  <a:srgbClr val="FF0000"/>
+                  <a:srgbClr val="00B050"/>
                 </a:solidFill>
               </a:rPr>
               <a:t>をループできる</a:t>
             </a:r>
-            <a:endParaRPr lang="en-US" altLang="ja-JP" sz="2000" dirty="0"/>
+            <a:endParaRPr lang="en-US" altLang="ja-JP" sz="2000" dirty="0">
+              <a:solidFill>
+                <a:srgbClr val="00B050"/>
+              </a:solidFill>
+            </a:endParaRPr>
           </a:p>
           <a:p>
             <a:pPr marL="0" indent="0">
@@ -10528,7 +10820,7 @@
             <a:r>
               <a:rPr lang="en-US" altLang="ja-JP" sz="2000" dirty="0">
                 <a:solidFill>
-                  <a:srgbClr val="FF0000"/>
+                  <a:srgbClr val="00B050"/>
                 </a:solidFill>
               </a:rPr>
               <a:t>※ for</a:t>
@@ -10536,7 +10828,7 @@
             <a:r>
               <a:rPr lang="ja-JP" altLang="en-US" sz="2000" dirty="0">
                 <a:solidFill>
-                  <a:srgbClr val="FF0000"/>
+                  <a:srgbClr val="00B050"/>
                 </a:solidFill>
               </a:rPr>
               <a:t>文はスコープを作らないので</a:t>
@@ -10544,7 +10836,7 @@
             <a:r>
               <a:rPr lang="en-US" altLang="ja-JP" sz="2000" dirty="0">
                 <a:solidFill>
-                  <a:srgbClr val="FF0000"/>
+                  <a:srgbClr val="00B050"/>
                 </a:solidFill>
               </a:rPr>
               <a:t>for</a:t>
@@ -10552,7 +10844,7 @@
             <a:r>
               <a:rPr lang="ja-JP" altLang="en-US" sz="2000" dirty="0">
                 <a:solidFill>
-                  <a:srgbClr val="FF0000"/>
+                  <a:srgbClr val="00B050"/>
                 </a:solidFill>
               </a:rPr>
               <a:t>文内で生成された変数</a:t>
@@ -10560,7 +10852,7 @@
             <a:r>
               <a:rPr lang="ja-JP" altLang="en-US" sz="2000" dirty="0" smtClean="0">
                 <a:solidFill>
-                  <a:srgbClr val="FF0000"/>
+                  <a:srgbClr val="00B050"/>
                 </a:solidFill>
               </a:rPr>
               <a:t>を</a:t>
@@ -10568,7 +10860,7 @@
             <a:r>
               <a:rPr lang="en-US" altLang="ja-JP" sz="2000" dirty="0" smtClean="0">
                 <a:solidFill>
-                  <a:srgbClr val="FF0000"/>
+                  <a:srgbClr val="00B050"/>
                 </a:solidFill>
               </a:rPr>
               <a:t>for</a:t>
@@ -10576,7 +10868,7 @@
             <a:r>
               <a:rPr lang="ja-JP" altLang="en-US" sz="2000" dirty="0" smtClean="0">
                 <a:solidFill>
-                  <a:srgbClr val="FF0000"/>
+                  <a:srgbClr val="00B050"/>
                 </a:solidFill>
               </a:rPr>
               <a:t>文の外でも参照</a:t>
@@ -10584,14 +10876,14 @@
             <a:r>
               <a:rPr lang="ja-JP" altLang="en-US" sz="2000" dirty="0">
                 <a:solidFill>
-                  <a:srgbClr val="FF0000"/>
+                  <a:srgbClr val="00B050"/>
                 </a:solidFill>
               </a:rPr>
               <a:t>できる</a:t>
             </a:r>
             <a:endParaRPr lang="en-US" altLang="ja-JP" sz="2000" dirty="0">
               <a:solidFill>
-                <a:srgbClr val="FF0000"/>
+                <a:srgbClr val="00B050"/>
               </a:solidFill>
             </a:endParaRPr>
           </a:p>
@@ -10599,13 +10891,25 @@
             <a:pPr marL="0" indent="0">
               <a:buNone/>
             </a:pPr>
-            <a:endParaRPr lang="en-US" altLang="ja-JP" sz="2000" dirty="0" smtClean="0"/>
-          </a:p>
-          <a:p>
-            <a:endParaRPr lang="en-US" altLang="ja-JP" sz="2000" dirty="0"/>
-          </a:p>
-          <a:p>
-            <a:endParaRPr lang="en-US" altLang="ja-JP" sz="2000" dirty="0" smtClean="0"/>
+            <a:endParaRPr lang="en-US" altLang="ja-JP" sz="2000" dirty="0" smtClean="0">
+              <a:solidFill>
+                <a:srgbClr val="00B050"/>
+              </a:solidFill>
+            </a:endParaRPr>
+          </a:p>
+          <a:p>
+            <a:endParaRPr lang="en-US" altLang="ja-JP" sz="2000" dirty="0">
+              <a:solidFill>
+                <a:srgbClr val="00B050"/>
+              </a:solidFill>
+            </a:endParaRPr>
+          </a:p>
+          <a:p>
+            <a:endParaRPr lang="en-US" altLang="ja-JP" sz="2000" dirty="0" smtClean="0">
+              <a:solidFill>
+                <a:srgbClr val="00B050"/>
+              </a:solidFill>
+            </a:endParaRPr>
           </a:p>
         </p:txBody>
       </p:sp>
@@ -11433,7 +11737,7 @@
         <p:spPr>
           <a:xfrm>
             <a:off x="667474" y="1311824"/>
-            <a:ext cx="5560071" cy="5296829"/>
+            <a:ext cx="6135260" cy="5296829"/>
           </a:xfrm>
         </p:spPr>
         <p:txBody>
@@ -11493,12 +11797,28 @@
             </a:pPr>
             <a:r>
               <a:rPr lang="ja-JP" altLang="en-US" sz="2000" b="1" dirty="0" smtClean="0"/>
-              <a:t>右のコードを実行し挙動を確認してください</a:t>
+              <a:t>実習 </a:t>
+            </a:r>
+            <a:r>
+              <a:rPr lang="en-US" altLang="ja-JP" sz="2000" b="1" dirty="0" smtClean="0"/>
+              <a:t>: </a:t>
+            </a:r>
+            <a:r>
+              <a:rPr lang="ja-JP" altLang="en-US" sz="2000" b="1" dirty="0" smtClean="0"/>
+              <a:t>右</a:t>
+            </a:r>
+            <a:r>
+              <a:rPr lang="ja-JP" altLang="en-US" sz="2000" b="1" dirty="0" smtClean="0"/>
+              <a:t>のコードを実行し挙動を確認してください</a:t>
             </a:r>
             <a:endParaRPr lang="en-US" altLang="ja-JP" sz="2000" b="1" dirty="0" smtClean="0"/>
           </a:p>
           <a:p>
-            <a:endParaRPr lang="en-US" altLang="ja-JP" sz="2000" dirty="0"/>
+            <a:endParaRPr lang="en-US" altLang="ja-JP" sz="2000" dirty="0">
+              <a:solidFill>
+                <a:srgbClr val="00B050"/>
+              </a:solidFill>
+            </a:endParaRPr>
           </a:p>
           <a:p>
             <a:pPr marL="0" indent="0">
@@ -11507,7 +11827,7 @@
             <a:r>
               <a:rPr lang="en-US" altLang="ja-JP" sz="2000" dirty="0" smtClean="0">
                 <a:solidFill>
-                  <a:srgbClr val="FF0000"/>
+                  <a:srgbClr val="00B050"/>
                 </a:solidFill>
               </a:rPr>
               <a:t>※ A</a:t>
@@ -11515,7 +11835,7 @@
             <a:r>
               <a:rPr lang="ja-JP" altLang="en-US" sz="2000" dirty="0" smtClean="0">
                 <a:solidFill>
-                  <a:srgbClr val="FF0000"/>
+                  <a:srgbClr val="00B050"/>
                 </a:solidFill>
               </a:rPr>
               <a:t>かつ</a:t>
@@ -11523,7 +11843,7 @@
             <a:r>
               <a:rPr lang="en-US" altLang="ja-JP" sz="2000" dirty="0" smtClean="0">
                 <a:solidFill>
-                  <a:srgbClr val="FF0000"/>
+                  <a:srgbClr val="00B050"/>
                 </a:solidFill>
               </a:rPr>
               <a:t>B</a:t>
@@ -11531,7 +11851,7 @@
             <a:r>
               <a:rPr lang="ja-JP" altLang="en-US" sz="2000" dirty="0" smtClean="0">
                 <a:solidFill>
-                  <a:srgbClr val="FF0000"/>
+                  <a:srgbClr val="00B050"/>
                 </a:solidFill>
               </a:rPr>
               <a:t> や </a:t>
@@ -11539,7 +11859,7 @@
             <a:r>
               <a:rPr lang="en-US" altLang="ja-JP" sz="2000" dirty="0" smtClean="0">
                 <a:solidFill>
-                  <a:srgbClr val="FF0000"/>
+                  <a:srgbClr val="00B050"/>
                 </a:solidFill>
               </a:rPr>
               <a:t>A</a:t>
@@ -11547,7 +11867,7 @@
             <a:r>
               <a:rPr lang="ja-JP" altLang="en-US" sz="2000" dirty="0" smtClean="0">
                 <a:solidFill>
-                  <a:srgbClr val="FF0000"/>
+                  <a:srgbClr val="00B050"/>
                 </a:solidFill>
               </a:rPr>
               <a:t>または</a:t>
@@ -11555,7 +11875,7 @@
             <a:r>
               <a:rPr lang="en-US" altLang="ja-JP" sz="2000" dirty="0" smtClean="0">
                 <a:solidFill>
-                  <a:srgbClr val="FF0000"/>
+                  <a:srgbClr val="00B050"/>
                 </a:solidFill>
               </a:rPr>
               <a:t>B</a:t>
@@ -11563,14 +11883,14 @@
             <a:r>
               <a:rPr lang="ja-JP" altLang="en-US" sz="2000" dirty="0" smtClean="0">
                 <a:solidFill>
-                  <a:srgbClr val="FF0000"/>
+                  <a:srgbClr val="00B050"/>
                 </a:solidFill>
               </a:rPr>
               <a:t>は 以下の通り</a:t>
             </a:r>
             <a:endParaRPr kumimoji="1" lang="en-US" altLang="ja-JP" sz="2000" dirty="0" smtClean="0">
               <a:solidFill>
-                <a:srgbClr val="FF0000"/>
+                <a:srgbClr val="00B050"/>
               </a:solidFill>
             </a:endParaRPr>
           </a:p>
@@ -11581,7 +11901,7 @@
             <a:r>
               <a:rPr kumimoji="1" lang="en-US" altLang="ja-JP" sz="2000" dirty="0" smtClean="0">
                 <a:solidFill>
-                  <a:srgbClr val="FF0000"/>
+                  <a:srgbClr val="00B050"/>
                 </a:solidFill>
                 <a:sym typeface="Wingdings" panose="05000000000000000000" pitchFamily="2" charset="2"/>
               </a:rPr>
@@ -11590,7 +11910,7 @@
             <a:r>
               <a:rPr kumimoji="1" lang="ja-JP" altLang="en-US" sz="2000" dirty="0" smtClean="0">
                 <a:solidFill>
-                  <a:srgbClr val="FF0000"/>
+                  <a:srgbClr val="00B050"/>
                 </a:solidFill>
                 <a:sym typeface="Wingdings" panose="05000000000000000000" pitchFamily="2" charset="2"/>
               </a:rPr>
@@ -11599,43 +11919,25 @@
             <a:r>
               <a:rPr kumimoji="1" lang="en-US" altLang="ja-JP" sz="2000" dirty="0" smtClean="0">
                 <a:solidFill>
-                  <a:srgbClr val="FF0000"/>
+                  <a:srgbClr val="00B050"/>
                 </a:solidFill>
                 <a:sym typeface="Wingdings" panose="05000000000000000000" pitchFamily="2" charset="2"/>
               </a:rPr>
-              <a:t>A </a:t>
+              <a:t>A and </a:t>
+            </a:r>
+            <a:r>
+              <a:rPr kumimoji="1" lang="ja-JP" altLang="en-US" sz="2000" dirty="0" smtClean="0">
+                <a:solidFill>
+                  <a:srgbClr val="00B050"/>
+                </a:solidFill>
+                <a:sym typeface="Wingdings" panose="05000000000000000000" pitchFamily="2" charset="2"/>
+              </a:rPr>
+              <a:t>条件</a:t>
             </a:r>
             <a:r>
               <a:rPr kumimoji="1" lang="en-US" altLang="ja-JP" sz="2000" dirty="0" smtClean="0">
                 <a:solidFill>
-                  <a:srgbClr val="0070C0"/>
-                </a:solidFill>
-                <a:sym typeface="Wingdings" panose="05000000000000000000" pitchFamily="2" charset="2"/>
-              </a:rPr>
-              <a:t>and</a:t>
-            </a:r>
-            <a:r>
-              <a:rPr kumimoji="1" lang="en-US" altLang="ja-JP" sz="2000" dirty="0" smtClean="0">
-                <a:solidFill>
-                  <a:srgbClr val="FF0000"/>
-                </a:solidFill>
-                <a:sym typeface="Wingdings" panose="05000000000000000000" pitchFamily="2" charset="2"/>
-              </a:rPr>
-              <a:t> </a:t>
-            </a:r>
-            <a:r>
-              <a:rPr kumimoji="1" lang="ja-JP" altLang="en-US" sz="2000" dirty="0" smtClean="0">
-                <a:solidFill>
-                  <a:srgbClr val="FF0000"/>
-                </a:solidFill>
-                <a:sym typeface="Wingdings" panose="05000000000000000000" pitchFamily="2" charset="2"/>
-              </a:rPr>
-              <a:t>条件</a:t>
-            </a:r>
-            <a:r>
-              <a:rPr kumimoji="1" lang="en-US" altLang="ja-JP" sz="2000" dirty="0" smtClean="0">
-                <a:solidFill>
-                  <a:srgbClr val="FF0000"/>
+                  <a:srgbClr val="00B050"/>
                 </a:solidFill>
                 <a:sym typeface="Wingdings" panose="05000000000000000000" pitchFamily="2" charset="2"/>
               </a:rPr>
@@ -11643,7 +11945,7 @@
             </a:r>
             <a:endParaRPr kumimoji="1" lang="en-US" altLang="ja-JP" sz="2000" dirty="0" smtClean="0">
               <a:solidFill>
-                <a:srgbClr val="FF0000"/>
+                <a:srgbClr val="00B050"/>
               </a:solidFill>
             </a:endParaRPr>
           </a:p>
@@ -11655,7 +11957,7 @@
             <a:r>
               <a:rPr lang="en-US" altLang="ja-JP" sz="2000" dirty="0" smtClean="0">
                 <a:solidFill>
-                  <a:srgbClr val="FF0000"/>
+                  <a:srgbClr val="00B050"/>
                 </a:solidFill>
                 <a:sym typeface="Wingdings" panose="05000000000000000000" pitchFamily="2" charset="2"/>
               </a:rPr>
@@ -11664,7 +11966,7 @@
             <a:r>
               <a:rPr lang="en-US" altLang="ja-JP" sz="2000" dirty="0">
                 <a:solidFill>
-                  <a:srgbClr val="FF0000"/>
+                  <a:srgbClr val="00B050"/>
                 </a:solidFill>
                 <a:sym typeface="Wingdings" panose="05000000000000000000" pitchFamily="2" charset="2"/>
               </a:rPr>
@@ -11673,7 +11975,7 @@
             <a:r>
               <a:rPr lang="ja-JP" altLang="en-US" sz="2000" dirty="0">
                 <a:solidFill>
-                  <a:srgbClr val="FF0000"/>
+                  <a:srgbClr val="00B050"/>
                 </a:solidFill>
                 <a:sym typeface="Wingdings" panose="05000000000000000000" pitchFamily="2" charset="2"/>
               </a:rPr>
@@ -11682,7 +11984,7 @@
             <a:r>
               <a:rPr lang="en-US" altLang="ja-JP" sz="2000" dirty="0">
                 <a:solidFill>
-                  <a:srgbClr val="FF0000"/>
+                  <a:srgbClr val="00B050"/>
                 </a:solidFill>
                 <a:sym typeface="Wingdings" panose="05000000000000000000" pitchFamily="2" charset="2"/>
               </a:rPr>
@@ -11691,43 +11993,34 @@
             <a:r>
               <a:rPr lang="en-US" altLang="ja-JP" sz="2000" dirty="0" smtClean="0">
                 <a:solidFill>
-                  <a:srgbClr val="0070C0"/>
+                  <a:srgbClr val="00B050"/>
                 </a:solidFill>
                 <a:sym typeface="Wingdings" panose="05000000000000000000" pitchFamily="2" charset="2"/>
               </a:rPr>
-              <a:t>or</a:t>
+              <a:t>or </a:t>
+            </a:r>
+            <a:r>
+              <a:rPr lang="ja-JP" altLang="en-US" sz="2000" dirty="0">
+                <a:solidFill>
+                  <a:srgbClr val="00B050"/>
+                </a:solidFill>
+                <a:sym typeface="Wingdings" panose="05000000000000000000" pitchFamily="2" charset="2"/>
+              </a:rPr>
+              <a:t>条件</a:t>
+            </a:r>
+            <a:r>
+              <a:rPr lang="en-US" altLang="ja-JP" sz="2000" dirty="0">
+                <a:solidFill>
+                  <a:srgbClr val="00B050"/>
+                </a:solidFill>
+                <a:sym typeface="Wingdings" panose="05000000000000000000" pitchFamily="2" charset="2"/>
+              </a:rPr>
+              <a:t>B) </a:t>
             </a:r>
             <a:r>
               <a:rPr lang="en-US" altLang="ja-JP" sz="2000" dirty="0" smtClean="0">
                 <a:solidFill>
-                  <a:srgbClr val="FF0000"/>
-                </a:solidFill>
-                <a:sym typeface="Wingdings" panose="05000000000000000000" pitchFamily="2" charset="2"/>
-              </a:rPr>
-              <a:t> </a:t>
-            </a:r>
-            <a:r>
-              <a:rPr lang="ja-JP" altLang="en-US" sz="2000" dirty="0">
-                <a:solidFill>
-                  <a:srgbClr val="FF0000"/>
-                </a:solidFill>
-                <a:sym typeface="Wingdings" panose="05000000000000000000" pitchFamily="2" charset="2"/>
-              </a:rPr>
-              <a:t>条件</a:t>
-            </a:r>
-            <a:r>
-              <a:rPr lang="en-US" altLang="ja-JP" sz="2000" dirty="0">
-                <a:solidFill>
-                  <a:srgbClr val="FF0000"/>
-                </a:solidFill>
-                <a:sym typeface="Wingdings" panose="05000000000000000000" pitchFamily="2" charset="2"/>
-              </a:rPr>
-              <a:t>B) </a:t>
-            </a:r>
-            <a:r>
-              <a:rPr lang="en-US" altLang="ja-JP" sz="2000" dirty="0" smtClean="0">
-                <a:solidFill>
-                  <a:srgbClr val="FF0000"/>
+                  <a:srgbClr val="00B050"/>
                 </a:solidFill>
                 <a:sym typeface="Wingdings" panose="05000000000000000000" pitchFamily="2" charset="2"/>
               </a:rPr>
@@ -11735,7 +12028,7 @@
             </a:r>
             <a:endParaRPr lang="en-US" altLang="ja-JP" sz="2000" dirty="0">
               <a:solidFill>
-                <a:srgbClr val="FF0000"/>
+                <a:srgbClr val="00B050"/>
               </a:solidFill>
             </a:endParaRPr>
           </a:p>
@@ -11746,7 +12039,7 @@
             <a:r>
               <a:rPr lang="en-US" altLang="ja-JP" sz="2000" dirty="0">
                 <a:solidFill>
-                  <a:srgbClr val="FF0000"/>
+                  <a:srgbClr val="00B050"/>
                 </a:solidFill>
               </a:rPr>
               <a:t>※ </a:t>
@@ -11754,7 +12047,7 @@
             <a:r>
               <a:rPr lang="en-US" altLang="ja-JP" sz="2000" dirty="0" smtClean="0">
                 <a:solidFill>
-                  <a:srgbClr val="FF0000"/>
+                  <a:srgbClr val="00B050"/>
                 </a:solidFill>
               </a:rPr>
               <a:t>if</a:t>
@@ -11762,7 +12055,7 @@
             <a:r>
               <a:rPr lang="ja-JP" altLang="en-US" sz="2000" dirty="0" smtClean="0">
                 <a:solidFill>
-                  <a:srgbClr val="FF0000"/>
+                  <a:srgbClr val="00B050"/>
                 </a:solidFill>
               </a:rPr>
               <a:t>文</a:t>
@@ -11770,7 +12063,7 @@
             <a:r>
               <a:rPr lang="ja-JP" altLang="en-US" sz="2000" dirty="0">
                 <a:solidFill>
-                  <a:srgbClr val="FF0000"/>
+                  <a:srgbClr val="00B050"/>
                 </a:solidFill>
               </a:rPr>
               <a:t>はスコープを作らない</a:t>
@@ -11778,7 +12071,7 @@
             <a:r>
               <a:rPr lang="ja-JP" altLang="en-US" sz="2000" dirty="0" smtClean="0">
                 <a:solidFill>
-                  <a:srgbClr val="FF0000"/>
+                  <a:srgbClr val="00B050"/>
                 </a:solidFill>
               </a:rPr>
               <a:t>ので</a:t>
@@ -11786,7 +12079,7 @@
             <a:r>
               <a:rPr lang="en-US" altLang="ja-JP" sz="2000" dirty="0" smtClean="0">
                 <a:solidFill>
-                  <a:srgbClr val="FF0000"/>
+                  <a:srgbClr val="00B050"/>
                 </a:solidFill>
               </a:rPr>
               <a:t>if</a:t>
@@ -11794,7 +12087,7 @@
             <a:r>
               <a:rPr lang="ja-JP" altLang="en-US" sz="2000" dirty="0" smtClean="0">
                 <a:solidFill>
-                  <a:srgbClr val="FF0000"/>
+                  <a:srgbClr val="00B050"/>
                 </a:solidFill>
               </a:rPr>
               <a:t>文内</a:t>
@@ -11802,7 +12095,7 @@
             <a:r>
               <a:rPr lang="ja-JP" altLang="en-US" sz="2000" dirty="0">
                 <a:solidFill>
-                  <a:srgbClr val="FF0000"/>
+                  <a:srgbClr val="00B050"/>
                 </a:solidFill>
               </a:rPr>
               <a:t>で生成された変数を外から参照</a:t>
@@ -11810,14 +12103,14 @@
             <a:r>
               <a:rPr lang="ja-JP" altLang="en-US" sz="2000" dirty="0" smtClean="0">
                 <a:solidFill>
-                  <a:srgbClr val="FF0000"/>
+                  <a:srgbClr val="00B050"/>
                 </a:solidFill>
               </a:rPr>
               <a:t>できる</a:t>
             </a:r>
             <a:endParaRPr lang="en-US" altLang="ja-JP" sz="2000" dirty="0">
               <a:solidFill>
-                <a:srgbClr val="FF0000"/>
+                <a:srgbClr val="00B050"/>
               </a:solidFill>
             </a:endParaRPr>
           </a:p>
@@ -12428,6 +12721,14 @@
             </a:pPr>
             <a:r>
               <a:rPr lang="ja-JP" altLang="en-US" sz="2000" b="1" dirty="0" smtClean="0"/>
+              <a:t>実習 </a:t>
+            </a:r>
+            <a:r>
+              <a:rPr lang="en-US" altLang="ja-JP" sz="2000" b="1" dirty="0" smtClean="0"/>
+              <a:t>: </a:t>
+            </a:r>
+            <a:r>
+              <a:rPr lang="ja-JP" altLang="en-US" sz="2000" b="1" dirty="0" smtClean="0"/>
               <a:t>右</a:t>
             </a:r>
             <a:r>
@@ -12446,7 +12747,19 @@
             </a:pPr>
             <a:r>
               <a:rPr lang="ja-JP" altLang="en-US" sz="2000" b="1" dirty="0"/>
-              <a:t>右の</a:t>
+              <a:t>実習 </a:t>
+            </a:r>
+            <a:r>
+              <a:rPr lang="en-US" altLang="ja-JP" sz="2000" b="1" dirty="0" smtClean="0"/>
+              <a:t>: </a:t>
+            </a:r>
+            <a:r>
+              <a:rPr lang="ja-JP" altLang="en-US" sz="2000" b="1" dirty="0" smtClean="0"/>
+              <a:t>右</a:t>
+            </a:r>
+            <a:r>
+              <a:rPr lang="ja-JP" altLang="en-US" sz="2000" b="1" dirty="0"/>
+              <a:t>の</a:t>
             </a:r>
             <a:r>
               <a:rPr lang="ja-JP" altLang="en-US" sz="2000" b="1" dirty="0" smtClean="0"/>
@@ -12461,7 +12774,7 @@
             <a:r>
               <a:rPr lang="en-US" altLang="ja-JP" sz="2000" dirty="0">
                 <a:solidFill>
-                  <a:srgbClr val="FF0000"/>
+                  <a:srgbClr val="00B050"/>
                 </a:solidFill>
               </a:rPr>
               <a:t>※</a:t>
@@ -12469,7 +12782,7 @@
             <a:r>
               <a:rPr lang="ja-JP" altLang="en-US" sz="2000" dirty="0" smtClean="0">
                 <a:solidFill>
-                  <a:srgbClr val="FF0000"/>
+                  <a:srgbClr val="00B050"/>
                 </a:solidFill>
               </a:rPr>
               <a:t>複数の</a:t>
@@ -12477,7 +12790,7 @@
             <a:r>
               <a:rPr lang="ja-JP" altLang="en-US" sz="2000" dirty="0">
                 <a:solidFill>
-                  <a:srgbClr val="FF0000"/>
+                  <a:srgbClr val="00B050"/>
                 </a:solidFill>
               </a:rPr>
               <a:t>引数</a:t>
@@ -12485,14 +12798,14 @@
             <a:r>
               <a:rPr lang="ja-JP" altLang="en-US" sz="2000" dirty="0" smtClean="0">
                 <a:solidFill>
-                  <a:srgbClr val="FF0000"/>
+                  <a:srgbClr val="00B050"/>
                 </a:solidFill>
               </a:rPr>
               <a:t>を受け取れる</a:t>
             </a:r>
             <a:endParaRPr lang="en-US" altLang="ja-JP" sz="2000" dirty="0" smtClean="0">
               <a:solidFill>
-                <a:srgbClr val="FF0000"/>
+                <a:srgbClr val="00B050"/>
               </a:solidFill>
             </a:endParaRPr>
           </a:p>
@@ -12503,7 +12816,7 @@
             <a:r>
               <a:rPr lang="en-US" altLang="ja-JP" sz="2000" dirty="0" smtClean="0">
                 <a:solidFill>
-                  <a:srgbClr val="FF0000"/>
+                  <a:srgbClr val="00B050"/>
                 </a:solidFill>
               </a:rPr>
               <a:t>※</a:t>
@@ -12511,14 +12824,14 @@
             <a:r>
               <a:rPr lang="ja-JP" altLang="en-US" sz="2000" dirty="0" smtClean="0">
                 <a:solidFill>
-                  <a:srgbClr val="FF0000"/>
+                  <a:srgbClr val="00B050"/>
                 </a:solidFill>
               </a:rPr>
               <a:t>引数は，値渡し（と思ってよい）</a:t>
             </a:r>
             <a:endParaRPr lang="en-US" altLang="ja-JP" sz="2000" dirty="0">
               <a:solidFill>
-                <a:srgbClr val="FF0000"/>
+                <a:srgbClr val="00B050"/>
               </a:solidFill>
             </a:endParaRPr>
           </a:p>
@@ -12529,7 +12842,7 @@
             <a:r>
               <a:rPr lang="ja-JP" altLang="en-US" sz="1200" dirty="0" smtClean="0">
                 <a:solidFill>
-                  <a:srgbClr val="FF0000"/>
+                  <a:srgbClr val="00B050"/>
                 </a:solidFill>
               </a:rPr>
               <a:t>ある引数</a:t>
@@ -12537,7 +12850,7 @@
             <a:r>
               <a:rPr lang="en-US" altLang="ja-JP" sz="1200" dirty="0" smtClean="0">
                 <a:solidFill>
-                  <a:srgbClr val="FF0000"/>
+                  <a:srgbClr val="00B050"/>
                 </a:solidFill>
               </a:rPr>
               <a:t>a</a:t>
@@ -12545,7 +12858,7 @@
             <a:r>
               <a:rPr lang="ja-JP" altLang="en-US" sz="1200" dirty="0" smtClean="0">
                 <a:solidFill>
-                  <a:srgbClr val="FF0000"/>
+                  <a:srgbClr val="00B050"/>
                 </a:solidFill>
               </a:rPr>
               <a:t>があるとき，</a:t>
@@ -12553,7 +12866,7 @@
             <a:r>
               <a:rPr lang="en-US" altLang="ja-JP" sz="1200" dirty="0" smtClean="0">
                 <a:solidFill>
-                  <a:srgbClr val="FF0000"/>
+                  <a:srgbClr val="00B050"/>
                 </a:solidFill>
               </a:rPr>
               <a:t>a</a:t>
@@ -12561,7 +12874,7 @@
             <a:r>
               <a:rPr lang="ja-JP" altLang="en-US" sz="1200" dirty="0" smtClean="0">
                 <a:solidFill>
-                  <a:srgbClr val="FF0000"/>
+                  <a:srgbClr val="00B050"/>
                 </a:solidFill>
               </a:rPr>
               <a:t>に代入をしない場合は</a:t>
@@ -12569,7 +12882,7 @@
             <a:r>
               <a:rPr lang="en-US" altLang="ja-JP" sz="1200" dirty="0" smtClean="0">
                 <a:solidFill>
-                  <a:srgbClr val="FF0000"/>
+                  <a:srgbClr val="00B050"/>
                 </a:solidFill>
               </a:rPr>
               <a:t>a</a:t>
@@ -12577,7 +12890,7 @@
             <a:r>
               <a:rPr lang="ja-JP" altLang="en-US" sz="1200" dirty="0" err="1" smtClean="0">
                 <a:solidFill>
-                  <a:srgbClr val="FF0000"/>
+                  <a:srgbClr val="00B050"/>
                 </a:solidFill>
               </a:rPr>
               <a:t>への</a:t>
@@ -12585,7 +12898,7 @@
             <a:r>
               <a:rPr lang="ja-JP" altLang="en-US" sz="1200" dirty="0" smtClean="0">
                 <a:solidFill>
-                  <a:srgbClr val="FF0000"/>
+                  <a:srgbClr val="00B050"/>
                 </a:solidFill>
               </a:rPr>
               <a:t>参照が保持される．関数内で</a:t>
@@ -12593,7 +12906,7 @@
             <a:r>
               <a:rPr lang="en-US" altLang="ja-JP" sz="1200" dirty="0" smtClean="0">
                 <a:solidFill>
-                  <a:srgbClr val="FF0000"/>
+                  <a:srgbClr val="00B050"/>
                 </a:solidFill>
               </a:rPr>
               <a:t>a</a:t>
@@ -12601,7 +12914,7 @@
             <a:r>
               <a:rPr lang="ja-JP" altLang="en-US" sz="1200" dirty="0" err="1" smtClean="0">
                 <a:solidFill>
-                  <a:srgbClr val="FF0000"/>
+                  <a:srgbClr val="00B050"/>
                 </a:solidFill>
               </a:rPr>
               <a:t>への</a:t>
@@ -12609,7 +12922,7 @@
             <a:r>
               <a:rPr lang="ja-JP" altLang="en-US" sz="1200" dirty="0" smtClean="0">
                 <a:solidFill>
-                  <a:srgbClr val="FF0000"/>
+                  <a:srgbClr val="00B050"/>
                 </a:solidFill>
               </a:rPr>
               <a:t>代入が起こると，その瞬間に</a:t>
@@ -12617,7 +12930,7 @@
             <a:r>
               <a:rPr lang="ja-JP" altLang="en-US" sz="1200" dirty="0">
                 <a:solidFill>
-                  <a:srgbClr val="FF0000"/>
+                  <a:srgbClr val="00B050"/>
                 </a:solidFill>
               </a:rPr>
               <a:t>新</a:t>
@@ -12625,7 +12938,7 @@
             <a:r>
               <a:rPr lang="ja-JP" altLang="en-US" sz="1200" dirty="0" smtClean="0">
                 <a:solidFill>
-                  <a:srgbClr val="FF0000"/>
+                  <a:srgbClr val="00B050"/>
                 </a:solidFill>
               </a:rPr>
               <a:t>たに変数</a:t>
@@ -12633,7 +12946,7 @@
             <a:r>
               <a:rPr lang="en-US" altLang="ja-JP" sz="1200" dirty="0" smtClean="0">
                 <a:solidFill>
-                  <a:srgbClr val="FF0000"/>
+                  <a:srgbClr val="00B050"/>
                 </a:solidFill>
               </a:rPr>
               <a:t>a</a:t>
@@ -12641,14 +12954,14 @@
             <a:r>
               <a:rPr lang="ja-JP" altLang="en-US" sz="1200" dirty="0" smtClean="0">
                 <a:solidFill>
-                  <a:srgbClr val="FF0000"/>
+                  <a:srgbClr val="00B050"/>
                 </a:solidFill>
               </a:rPr>
               <a:t>が生成される．そのため，関数外部からみると引数変数の変化は起きないため，値渡しのように見える．</a:t>
             </a:r>
             <a:endParaRPr lang="en-US" altLang="ja-JP" sz="1200" dirty="0" smtClean="0">
               <a:solidFill>
-                <a:srgbClr val="FF0000"/>
+                <a:srgbClr val="00B050"/>
               </a:solidFill>
             </a:endParaRPr>
           </a:p>
@@ -12659,7 +12972,7 @@
             <a:r>
               <a:rPr lang="en-US" altLang="ja-JP" sz="2000" dirty="0">
                 <a:solidFill>
-                  <a:srgbClr val="FF0000"/>
+                  <a:srgbClr val="00B050"/>
                 </a:solidFill>
               </a:rPr>
               <a:t>※</a:t>
@@ -12667,14 +12980,14 @@
             <a:r>
               <a:rPr lang="ja-JP" altLang="en-US" sz="2000" dirty="0">
                 <a:solidFill>
-                  <a:srgbClr val="FF0000"/>
+                  <a:srgbClr val="00B050"/>
                 </a:solidFill>
               </a:rPr>
               <a:t>複数の値を返せる</a:t>
             </a:r>
             <a:endParaRPr lang="en-US" altLang="ja-JP" sz="2000" dirty="0">
               <a:solidFill>
-                <a:srgbClr val="FF0000"/>
+                <a:srgbClr val="00B050"/>
               </a:solidFill>
             </a:endParaRPr>
           </a:p>
@@ -12685,7 +12998,7 @@
             <a:r>
               <a:rPr lang="en-US" altLang="ja-JP" sz="2000" dirty="0" smtClean="0">
                 <a:solidFill>
-                  <a:srgbClr val="FF0000"/>
+                  <a:srgbClr val="00B050"/>
                 </a:solidFill>
               </a:rPr>
               <a:t>※</a:t>
@@ -12693,14 +13006,14 @@
             <a:r>
               <a:rPr lang="ja-JP" altLang="en-US" sz="2000" dirty="0" smtClean="0">
                 <a:solidFill>
-                  <a:srgbClr val="FF0000"/>
+                  <a:srgbClr val="00B050"/>
                 </a:solidFill>
               </a:rPr>
               <a:t>関数はスコープを作る：関数内部で定義した変数は外に漏れない</a:t>
             </a:r>
             <a:endParaRPr lang="en-US" altLang="ja-JP" sz="2000" dirty="0" smtClean="0">
               <a:solidFill>
-                <a:srgbClr val="FF0000"/>
+                <a:srgbClr val="00B050"/>
               </a:solidFill>
             </a:endParaRPr>
           </a:p>
@@ -12711,7 +13024,7 @@
             <a:r>
               <a:rPr lang="en-US" altLang="ja-JP" sz="2000" dirty="0" smtClean="0">
                 <a:solidFill>
-                  <a:srgbClr val="FF0000"/>
+                  <a:srgbClr val="00B050"/>
                 </a:solidFill>
               </a:rPr>
               <a:t>※</a:t>
@@ -12719,7 +13032,7 @@
             <a:r>
               <a:rPr lang="ja-JP" altLang="en-US" sz="2000" dirty="0" smtClean="0">
                 <a:solidFill>
-                  <a:srgbClr val="FF0000"/>
+                  <a:srgbClr val="00B050"/>
                 </a:solidFill>
               </a:rPr>
               <a:t>関数はスコープの外の変数を参照できる，　　</a:t>
@@ -12727,7 +13040,7 @@
             <a:r>
               <a:rPr lang="ja-JP" altLang="en-US" sz="2000" dirty="0">
                 <a:solidFill>
-                  <a:srgbClr val="FF0000"/>
+                  <a:srgbClr val="00B050"/>
                 </a:solidFill>
               </a:rPr>
               <a:t>　</a:t>
@@ -12735,7 +13048,7 @@
             <a:r>
               <a:rPr lang="ja-JP" altLang="en-US" sz="2000" dirty="0" smtClean="0">
                 <a:solidFill>
-                  <a:srgbClr val="FF0000"/>
+                  <a:srgbClr val="00B050"/>
                 </a:solidFill>
               </a:rPr>
               <a:t>（</a:t>
@@ -12743,18 +13056,22 @@
             <a:r>
               <a:rPr lang="ja-JP" altLang="en-US" sz="1600" dirty="0" smtClean="0">
                 <a:solidFill>
-                  <a:srgbClr val="FF0000"/>
+                  <a:srgbClr val="00B050"/>
                 </a:solidFill>
               </a:rPr>
               <a:t>ただし関数内部で代入をすると，その変数は関数のローカル変数に</a:t>
             </a:r>
             <a:r>
-              <a:rPr lang="ja-JP" altLang="en-US" sz="2000" dirty="0"/>
+              <a:rPr lang="ja-JP" altLang="en-US" sz="2000" dirty="0">
+                <a:solidFill>
+                  <a:srgbClr val="00B050"/>
+                </a:solidFill>
+              </a:rPr>
               <a:t>）</a:t>
             </a:r>
             <a:endParaRPr lang="en-US" altLang="ja-JP" sz="1600" dirty="0" smtClean="0">
               <a:solidFill>
-                <a:srgbClr val="FF0000"/>
+                <a:srgbClr val="00B050"/>
               </a:solidFill>
             </a:endParaRPr>
           </a:p>
@@ -15341,7 +15658,7 @@
         </p:spPr>
         <p:txBody>
           <a:bodyPr>
-            <a:normAutofit/>
+            <a:normAutofit lnSpcReduction="10000"/>
           </a:bodyPr>
           <a:lstStyle/>
           <a:p>
@@ -15350,7 +15667,24 @@
             </a:pPr>
             <a:r>
               <a:rPr lang="ja-JP" altLang="en-US" sz="2000" b="1" dirty="0" smtClean="0"/>
-              <a:t>適当な画像を準備し，名前を「</a:t>
+              <a:t>実習</a:t>
+            </a:r>
+            <a:r>
+              <a:rPr lang="en-US" altLang="ja-JP" sz="2000" b="1" dirty="0" smtClean="0"/>
+              <a:t>: </a:t>
+            </a:r>
+          </a:p>
+          <a:p>
+            <a:pPr marL="0" indent="0">
+              <a:buNone/>
+            </a:pPr>
+            <a:r>
+              <a:rPr lang="ja-JP" altLang="en-US" sz="2000" b="1" dirty="0" smtClean="0"/>
+              <a:t>適当</a:t>
+            </a:r>
+            <a:r>
+              <a:rPr lang="ja-JP" altLang="en-US" sz="2000" b="1" dirty="0" smtClean="0"/>
+              <a:t>な画像を準備し，名前を「</a:t>
             </a:r>
             <a:r>
               <a:rPr lang="en-US" altLang="ja-JP" sz="2000" b="1" dirty="0" smtClean="0"/>
@@ -15412,7 +15746,7 @@
             <a:r>
               <a:rPr lang="en-US" altLang="ja-JP" sz="2000" dirty="0" smtClean="0">
                 <a:solidFill>
-                  <a:srgbClr val="FF0000"/>
+                  <a:srgbClr val="00B050"/>
                 </a:solidFill>
               </a:rPr>
               <a:t>※</a:t>
@@ -15420,14 +15754,14 @@
             <a:r>
               <a:rPr lang="ja-JP" altLang="en-US" sz="2000" dirty="0" smtClean="0">
                 <a:solidFill>
-                  <a:srgbClr val="FF0000"/>
+                  <a:srgbClr val="00B050"/>
                 </a:solidFill>
               </a:rPr>
               <a:t>非常に手軽に画像読み込み、画像への書き込み，画像の表示，画像の書き出しが行なえます</a:t>
             </a:r>
             <a:endParaRPr lang="en-US" altLang="ja-JP" sz="2000" dirty="0" smtClean="0">
               <a:solidFill>
-                <a:srgbClr val="FF0000"/>
+                <a:srgbClr val="00B050"/>
               </a:solidFill>
             </a:endParaRPr>
           </a:p>
@@ -15438,7 +15772,7 @@
             <a:r>
               <a:rPr lang="en-US" altLang="ja-JP" sz="2000" dirty="0" smtClean="0">
                 <a:solidFill>
-                  <a:srgbClr val="FF0000"/>
+                  <a:srgbClr val="00B050"/>
                 </a:solidFill>
               </a:rPr>
               <a:t>※</a:t>
@@ -15446,7 +15780,7 @@
             <a:r>
               <a:rPr lang="ja-JP" altLang="en-US" sz="2000" dirty="0" smtClean="0">
                 <a:solidFill>
-                  <a:srgbClr val="FF0000"/>
+                  <a:srgbClr val="00B050"/>
                 </a:solidFill>
               </a:rPr>
               <a:t>画像は </a:t>
@@ -15454,7 +15788,7 @@
             <a:r>
               <a:rPr lang="en-US" altLang="ja-JP" sz="2000" dirty="0" err="1" smtClean="0">
                 <a:solidFill>
-                  <a:srgbClr val="FF0000"/>
+                  <a:srgbClr val="00B050"/>
                 </a:solidFill>
               </a:rPr>
               <a:t>np.array</a:t>
@@ -15462,7 +15796,7 @@
             <a:r>
               <a:rPr lang="en-US" altLang="ja-JP" sz="2000" dirty="0" smtClean="0">
                 <a:solidFill>
-                  <a:srgbClr val="FF0000"/>
+                  <a:srgbClr val="00B050"/>
                 </a:solidFill>
               </a:rPr>
               <a:t> </a:t>
@@ -15470,14 +15804,14 @@
             <a:r>
               <a:rPr lang="ja-JP" altLang="en-US" sz="2000" dirty="0" smtClean="0">
                 <a:solidFill>
-                  <a:srgbClr val="FF0000"/>
+                  <a:srgbClr val="00B050"/>
                 </a:solidFill>
               </a:rPr>
               <a:t>形式で表現されます</a:t>
             </a:r>
             <a:endParaRPr lang="en-US" altLang="ja-JP" sz="2000" dirty="0" smtClean="0">
               <a:solidFill>
-                <a:srgbClr val="FF0000"/>
+                <a:srgbClr val="00B050"/>
               </a:solidFill>
             </a:endParaRPr>
           </a:p>
@@ -15486,39 +15820,75 @@
               <a:buNone/>
             </a:pPr>
             <a:r>
-              <a:rPr lang="en-US" altLang="ja-JP" sz="1600" dirty="0" smtClean="0"/>
+              <a:rPr lang="en-US" altLang="ja-JP" sz="1600" dirty="0" smtClean="0">
+                <a:solidFill>
+                  <a:srgbClr val="00B050"/>
+                </a:solidFill>
+              </a:rPr>
               <a:t>cv2.line        (</a:t>
             </a:r>
             <a:r>
-              <a:rPr lang="ja-JP" altLang="en-US" sz="1600" dirty="0" smtClean="0"/>
+              <a:rPr lang="ja-JP" altLang="en-US" sz="1600" dirty="0" smtClean="0">
+                <a:solidFill>
+                  <a:srgbClr val="00B050"/>
+                </a:solidFill>
+              </a:rPr>
               <a:t>画像，点</a:t>
             </a:r>
             <a:r>
-              <a:rPr lang="en-US" altLang="ja-JP" sz="1600" dirty="0" smtClean="0"/>
+              <a:rPr lang="en-US" altLang="ja-JP" sz="1600" dirty="0" smtClean="0">
+                <a:solidFill>
+                  <a:srgbClr val="00B050"/>
+                </a:solidFill>
+              </a:rPr>
               <a:t>1, </a:t>
             </a:r>
             <a:r>
-              <a:rPr lang="ja-JP" altLang="en-US" sz="1600" dirty="0" smtClean="0"/>
+              <a:rPr lang="ja-JP" altLang="en-US" sz="1600" dirty="0" smtClean="0">
+                <a:solidFill>
+                  <a:srgbClr val="00B050"/>
+                </a:solidFill>
+              </a:rPr>
               <a:t>点</a:t>
             </a:r>
             <a:r>
-              <a:rPr lang="en-US" altLang="ja-JP" sz="1600" dirty="0" smtClean="0"/>
+              <a:rPr lang="en-US" altLang="ja-JP" sz="1600" dirty="0" smtClean="0">
+                <a:solidFill>
+                  <a:srgbClr val="00B050"/>
+                </a:solidFill>
+              </a:rPr>
               <a:t>2, </a:t>
             </a:r>
             <a:r>
-              <a:rPr lang="ja-JP" altLang="en-US" sz="1600" dirty="0" smtClean="0"/>
+              <a:rPr lang="ja-JP" altLang="en-US" sz="1600" dirty="0" smtClean="0">
+                <a:solidFill>
+                  <a:srgbClr val="00B050"/>
+                </a:solidFill>
+              </a:rPr>
               <a:t>色</a:t>
             </a:r>
             <a:r>
-              <a:rPr lang="en-US" altLang="ja-JP" sz="1600" dirty="0" smtClean="0"/>
+              <a:rPr lang="en-US" altLang="ja-JP" sz="1600" dirty="0" smtClean="0">
+                <a:solidFill>
+                  <a:srgbClr val="00B050"/>
+                </a:solidFill>
+              </a:rPr>
               <a:t>, </a:t>
             </a:r>
             <a:r>
-              <a:rPr lang="ja-JP" altLang="en-US" sz="1600" dirty="0" smtClean="0"/>
+              <a:rPr lang="ja-JP" altLang="en-US" sz="1600" dirty="0" smtClean="0">
+                <a:solidFill>
+                  <a:srgbClr val="00B050"/>
+                </a:solidFill>
+              </a:rPr>
               <a:t>太さ</a:t>
             </a:r>
             <a:r>
-              <a:rPr lang="en-US" altLang="ja-JP" sz="1600" dirty="0" smtClean="0"/>
+              <a:rPr lang="en-US" altLang="ja-JP" sz="1600" dirty="0" smtClean="0">
+                <a:solidFill>
+                  <a:srgbClr val="00B050"/>
+                </a:solidFill>
+              </a:rPr>
               <a:t>)</a:t>
             </a:r>
           </a:p>
@@ -15527,39 +15897,75 @@
               <a:buNone/>
             </a:pPr>
             <a:r>
-              <a:rPr lang="en-US" altLang="ja-JP" sz="1600" dirty="0" smtClean="0"/>
+              <a:rPr lang="en-US" altLang="ja-JP" sz="1600" dirty="0" smtClean="0">
+                <a:solidFill>
+                  <a:srgbClr val="00B050"/>
+                </a:solidFill>
+              </a:rPr>
               <a:t>cv2.rectangle(</a:t>
             </a:r>
             <a:r>
-              <a:rPr lang="ja-JP" altLang="en-US" sz="1600" dirty="0"/>
+              <a:rPr lang="ja-JP" altLang="en-US" sz="1600" dirty="0">
+                <a:solidFill>
+                  <a:srgbClr val="00B050"/>
+                </a:solidFill>
+              </a:rPr>
               <a:t>画像，点</a:t>
             </a:r>
             <a:r>
-              <a:rPr lang="en-US" altLang="ja-JP" sz="1600" dirty="0"/>
+              <a:rPr lang="en-US" altLang="ja-JP" sz="1600" dirty="0">
+                <a:solidFill>
+                  <a:srgbClr val="00B050"/>
+                </a:solidFill>
+              </a:rPr>
               <a:t>1, </a:t>
             </a:r>
             <a:r>
-              <a:rPr lang="ja-JP" altLang="en-US" sz="1600" dirty="0"/>
+              <a:rPr lang="ja-JP" altLang="en-US" sz="1600" dirty="0">
+                <a:solidFill>
+                  <a:srgbClr val="00B050"/>
+                </a:solidFill>
+              </a:rPr>
               <a:t>点</a:t>
             </a:r>
             <a:r>
-              <a:rPr lang="en-US" altLang="ja-JP" sz="1600" dirty="0"/>
+              <a:rPr lang="en-US" altLang="ja-JP" sz="1600" dirty="0">
+                <a:solidFill>
+                  <a:srgbClr val="00B050"/>
+                </a:solidFill>
+              </a:rPr>
               <a:t>2, </a:t>
             </a:r>
             <a:r>
-              <a:rPr lang="ja-JP" altLang="en-US" sz="1600" dirty="0" smtClean="0"/>
+              <a:rPr lang="ja-JP" altLang="en-US" sz="1600" dirty="0" smtClean="0">
+                <a:solidFill>
+                  <a:srgbClr val="00B050"/>
+                </a:solidFill>
+              </a:rPr>
               <a:t>色</a:t>
             </a:r>
             <a:r>
-              <a:rPr lang="en-US" altLang="ja-JP" sz="1600" dirty="0"/>
+              <a:rPr lang="en-US" altLang="ja-JP" sz="1600" dirty="0">
+                <a:solidFill>
+                  <a:srgbClr val="00B050"/>
+                </a:solidFill>
+              </a:rPr>
               <a:t>, </a:t>
             </a:r>
             <a:r>
-              <a:rPr lang="ja-JP" altLang="en-US" sz="1600" dirty="0"/>
+              <a:rPr lang="ja-JP" altLang="en-US" sz="1600" dirty="0">
+                <a:solidFill>
+                  <a:srgbClr val="00B050"/>
+                </a:solidFill>
+              </a:rPr>
               <a:t>太さ</a:t>
             </a:r>
             <a:r>
-              <a:rPr lang="en-US" altLang="ja-JP" sz="1600" dirty="0" smtClean="0"/>
+              <a:rPr lang="en-US" altLang="ja-JP" sz="1600" dirty="0" smtClean="0">
+                <a:solidFill>
+                  <a:srgbClr val="00B050"/>
+                </a:solidFill>
+              </a:rPr>
               <a:t>)</a:t>
             </a:r>
           </a:p>
@@ -15568,47 +15974,91 @@
               <a:buNone/>
             </a:pPr>
             <a:r>
-              <a:rPr lang="en-US" altLang="ja-JP" sz="1600" dirty="0" smtClean="0"/>
+              <a:rPr lang="en-US" altLang="ja-JP" sz="1600" dirty="0" smtClean="0">
+                <a:solidFill>
+                  <a:srgbClr val="00B050"/>
+                </a:solidFill>
+              </a:rPr>
               <a:t>cv2.circle      (</a:t>
             </a:r>
             <a:r>
-              <a:rPr lang="ja-JP" altLang="en-US" sz="1600" dirty="0"/>
+              <a:rPr lang="ja-JP" altLang="en-US" sz="1600" dirty="0">
+                <a:solidFill>
+                  <a:srgbClr val="00B050"/>
+                </a:solidFill>
+              </a:rPr>
               <a:t>画像</a:t>
             </a:r>
             <a:r>
-              <a:rPr lang="ja-JP" altLang="en-US" sz="1600" dirty="0" smtClean="0"/>
+              <a:rPr lang="ja-JP" altLang="en-US" sz="1600" dirty="0" smtClean="0">
+                <a:solidFill>
+                  <a:srgbClr val="00B050"/>
+                </a:solidFill>
+              </a:rPr>
               <a:t>，中心</a:t>
             </a:r>
             <a:r>
-              <a:rPr lang="en-US" altLang="ja-JP" sz="1600" dirty="0" smtClean="0"/>
+              <a:rPr lang="en-US" altLang="ja-JP" sz="1600" dirty="0" smtClean="0">
+                <a:solidFill>
+                  <a:srgbClr val="00B050"/>
+                </a:solidFill>
+              </a:rPr>
               <a:t>,</a:t>
             </a:r>
             <a:r>
-              <a:rPr lang="ja-JP" altLang="en-US" sz="1600" dirty="0"/>
+              <a:rPr lang="ja-JP" altLang="en-US" sz="1600" dirty="0">
+                <a:solidFill>
+                  <a:srgbClr val="00B050"/>
+                </a:solidFill>
+              </a:rPr>
               <a:t> </a:t>
             </a:r>
             <a:r>
-              <a:rPr lang="ja-JP" altLang="en-US" sz="1600" dirty="0" smtClean="0"/>
+              <a:rPr lang="ja-JP" altLang="en-US" sz="1600" dirty="0" smtClean="0">
+                <a:solidFill>
+                  <a:srgbClr val="00B050"/>
+                </a:solidFill>
+              </a:rPr>
               <a:t>半径</a:t>
             </a:r>
             <a:r>
-              <a:rPr lang="en-US" altLang="ja-JP" sz="1600" dirty="0" smtClean="0"/>
+              <a:rPr lang="en-US" altLang="ja-JP" sz="1600" dirty="0" smtClean="0">
+                <a:solidFill>
+                  <a:srgbClr val="00B050"/>
+                </a:solidFill>
+              </a:rPr>
               <a:t>, </a:t>
             </a:r>
             <a:r>
-              <a:rPr lang="ja-JP" altLang="en-US" sz="1600" dirty="0" smtClean="0"/>
+              <a:rPr lang="ja-JP" altLang="en-US" sz="1600" dirty="0" smtClean="0">
+                <a:solidFill>
+                  <a:srgbClr val="00B050"/>
+                </a:solidFill>
+              </a:rPr>
               <a:t>色</a:t>
             </a:r>
             <a:r>
-              <a:rPr lang="en-US" altLang="ja-JP" sz="1600" dirty="0" smtClean="0"/>
+              <a:rPr lang="en-US" altLang="ja-JP" sz="1600" dirty="0" smtClean="0">
+                <a:solidFill>
+                  <a:srgbClr val="00B050"/>
+                </a:solidFill>
+              </a:rPr>
               <a:t>, </a:t>
             </a:r>
             <a:r>
-              <a:rPr lang="ja-JP" altLang="en-US" sz="1600" dirty="0" smtClean="0"/>
+              <a:rPr lang="ja-JP" altLang="en-US" sz="1600" dirty="0" smtClean="0">
+                <a:solidFill>
+                  <a:srgbClr val="00B050"/>
+                </a:solidFill>
+              </a:rPr>
               <a:t>太さ</a:t>
             </a:r>
             <a:r>
-              <a:rPr lang="en-US" altLang="ja-JP" sz="1600" dirty="0" smtClean="0"/>
+              <a:rPr lang="en-US" altLang="ja-JP" sz="1600" dirty="0" smtClean="0">
+                <a:solidFill>
+                  <a:srgbClr val="00B050"/>
+                </a:solidFill>
+              </a:rPr>
               <a:t>)</a:t>
             </a:r>
           </a:p>
@@ -15619,7 +16069,7 @@
             <a:r>
               <a:rPr lang="en-US" altLang="ja-JP" sz="2000" dirty="0" smtClean="0">
                 <a:solidFill>
-                  <a:srgbClr val="FF0000"/>
+                  <a:srgbClr val="00B050"/>
                 </a:solidFill>
               </a:rPr>
               <a:t>※</a:t>
@@ -15627,7 +16077,7 @@
             <a:r>
               <a:rPr lang="ja-JP" altLang="en-US" sz="2000" dirty="0" smtClean="0">
                 <a:solidFill>
-                  <a:srgbClr val="FF0000"/>
+                  <a:srgbClr val="00B050"/>
                 </a:solidFill>
               </a:rPr>
               <a:t>その他の図形描画関数は以下を参照</a:t>
@@ -15635,7 +16085,7 @@
             <a:r>
               <a:rPr lang="en-US" altLang="ja-JP" sz="2000" dirty="0" smtClean="0">
                 <a:solidFill>
-                  <a:srgbClr val="FF0000"/>
+                  <a:srgbClr val="00B050"/>
                 </a:solidFill>
                 <a:hlinkClick r:id="rId2"/>
               </a:rPr>
@@ -15644,7 +16094,7 @@
             <a:r>
               <a:rPr lang="en-US" altLang="ja-JP" sz="2000" dirty="0">
                 <a:solidFill>
-                  <a:srgbClr val="FF0000"/>
+                  <a:srgbClr val="00B050"/>
                 </a:solidFill>
                 <a:hlinkClick r:id="rId2"/>
               </a:rPr>
@@ -15653,7 +16103,7 @@
             <a:r>
               <a:rPr lang="en-US" altLang="ja-JP" sz="2000" dirty="0" smtClean="0">
                 <a:solidFill>
-                  <a:srgbClr val="FF0000"/>
+                  <a:srgbClr val="00B050"/>
                 </a:solidFill>
                 <a:hlinkClick r:id="rId2"/>
               </a:rPr>
@@ -15661,7 +16111,7 @@
             </a:r>
             <a:endParaRPr lang="en-US" altLang="ja-JP" sz="2000" dirty="0" smtClean="0">
               <a:solidFill>
-                <a:srgbClr val="FF0000"/>
+                <a:srgbClr val="00B050"/>
               </a:solidFill>
             </a:endParaRPr>
           </a:p>
@@ -15669,10 +16119,18 @@
             <a:pPr marL="0" indent="0">
               <a:buNone/>
             </a:pPr>
-            <a:endParaRPr lang="en-US" altLang="ja-JP" sz="2000" b="1" dirty="0" smtClean="0"/>
-          </a:p>
-          <a:p>
-            <a:endParaRPr kumimoji="1" lang="ja-JP" altLang="en-US" sz="2000" b="1" dirty="0"/>
+            <a:endParaRPr lang="en-US" altLang="ja-JP" sz="2000" b="1" dirty="0" smtClean="0">
+              <a:solidFill>
+                <a:srgbClr val="00B050"/>
+              </a:solidFill>
+            </a:endParaRPr>
+          </a:p>
+          <a:p>
+            <a:endParaRPr kumimoji="1" lang="ja-JP" altLang="en-US" sz="2000" b="1" dirty="0">
+              <a:solidFill>
+                <a:srgbClr val="00B050"/>
+              </a:solidFill>
+            </a:endParaRPr>
           </a:p>
         </p:txBody>
       </p:sp>
@@ -16696,7 +17154,15 @@
               <a:buNone/>
             </a:pPr>
             <a:r>
-              <a:rPr lang="ja-JP" altLang="en-US" sz="2000" b="1" dirty="0"/>
+              <a:rPr lang="ja-JP" altLang="en-US" sz="2000" b="1" dirty="0" smtClean="0"/>
+              <a:t>実習 </a:t>
+            </a:r>
+            <a:r>
+              <a:rPr lang="en-US" altLang="ja-JP" sz="2000" b="1" dirty="0" smtClean="0"/>
+              <a:t>: </a:t>
+            </a:r>
+            <a:r>
+              <a:rPr lang="ja-JP" altLang="en-US" sz="2000" b="1" dirty="0" smtClean="0"/>
               <a:t>右</a:t>
             </a:r>
             <a:r>
@@ -16834,7 +17300,7 @@
         <p:spPr>
           <a:xfrm>
             <a:off x="6205085" y="1285971"/>
-            <a:ext cx="4642585" cy="5016758"/>
+            <a:ext cx="5320374" cy="4770537"/>
           </a:xfrm>
           <a:prstGeom prst="rect">
             <a:avLst/>
@@ -18077,26 +18543,38 @@
               <a:buNone/>
             </a:pPr>
             <a:r>
-              <a:rPr lang="ja-JP" altLang="en-US" sz="2000" dirty="0" smtClean="0"/>
-              <a:t>右の</a:t>
-            </a:r>
-            <a:r>
-              <a:rPr lang="ja-JP" altLang="en-US" sz="2000" dirty="0"/>
+              <a:rPr lang="ja-JP" altLang="en-US" sz="2000" b="1" dirty="0" smtClean="0"/>
+              <a:t>実習 </a:t>
+            </a:r>
+            <a:r>
+              <a:rPr lang="en-US" altLang="ja-JP" sz="2000" b="1" dirty="0" smtClean="0"/>
+              <a:t>: </a:t>
+            </a:r>
+            <a:r>
+              <a:rPr lang="ja-JP" altLang="en-US" sz="2000" b="1" dirty="0" smtClean="0"/>
+              <a:t>右</a:t>
+            </a:r>
+            <a:r>
+              <a:rPr lang="ja-JP" altLang="en-US" sz="2000" b="1" dirty="0" smtClean="0"/>
+              <a:t>の</a:t>
+            </a:r>
+            <a:r>
+              <a:rPr lang="ja-JP" altLang="en-US" sz="2000" b="1" dirty="0"/>
               <a:t>コード</a:t>
             </a:r>
             <a:r>
-              <a:rPr lang="ja-JP" altLang="en-US" sz="2000" dirty="0" smtClean="0"/>
+              <a:rPr lang="ja-JP" altLang="en-US" sz="2000" b="1" dirty="0" smtClean="0"/>
               <a:t>の</a:t>
             </a:r>
             <a:r>
-              <a:rPr lang="ja-JP" altLang="en-US" sz="2000" dirty="0"/>
+              <a:rPr lang="ja-JP" altLang="en-US" sz="2000" b="1" dirty="0"/>
               <a:t>一部を編集</a:t>
             </a:r>
             <a:r>
-              <a:rPr lang="ja-JP" altLang="en-US" sz="2000" dirty="0" smtClean="0"/>
+              <a:rPr lang="ja-JP" altLang="en-US" sz="2000" b="1" dirty="0" smtClean="0"/>
               <a:t>し，縦横ソーベルフィルタを完成させてください</a:t>
             </a:r>
-            <a:endParaRPr lang="en-US" altLang="ja-JP" sz="2000" dirty="0" smtClean="0"/>
+            <a:endParaRPr lang="en-US" altLang="ja-JP" sz="2000" b="1" dirty="0" smtClean="0"/>
           </a:p>
           <a:p>
             <a:pPr marL="0" indent="0">
@@ -18111,7 +18589,7 @@
             <a:r>
               <a:rPr lang="en-US" altLang="ja-JP" sz="2000" dirty="0">
                 <a:solidFill>
-                  <a:srgbClr val="FF0000"/>
+                  <a:srgbClr val="00B050"/>
                 </a:solidFill>
               </a:rPr>
               <a:t>※</a:t>
@@ -18119,7 +18597,7 @@
             <a:r>
               <a:rPr lang="ja-JP" altLang="en-US" sz="2000" dirty="0">
                 <a:solidFill>
-                  <a:srgbClr val="FF0000"/>
+                  <a:srgbClr val="00B050"/>
                 </a:solidFill>
               </a:rPr>
               <a:t>途中計算時のオーバフローを避けるため，画像 </a:t>
@@ -18127,7 +18605,7 @@
             <a:r>
               <a:rPr lang="en-US" altLang="ja-JP" sz="2000" dirty="0">
                 <a:solidFill>
-                  <a:srgbClr val="FF0000"/>
+                  <a:srgbClr val="00B050"/>
                 </a:solidFill>
               </a:rPr>
               <a:t>(</a:t>
@@ -18135,7 +18613,7 @@
             <a:r>
               <a:rPr lang="en-US" altLang="ja-JP" sz="2000" dirty="0" err="1">
                 <a:solidFill>
-                  <a:srgbClr val="FF0000"/>
+                  <a:srgbClr val="00B050"/>
                 </a:solidFill>
               </a:rPr>
               <a:t>img</a:t>
@@ -18143,7 +18621,7 @@
             <a:r>
               <a:rPr lang="en-US" altLang="ja-JP" sz="2000" dirty="0">
                 <a:solidFill>
-                  <a:srgbClr val="FF0000"/>
+                  <a:srgbClr val="00B050"/>
                 </a:solidFill>
               </a:rPr>
               <a:t>, </a:t>
@@ -18151,7 +18629,7 @@
             <a:r>
               <a:rPr lang="en-US" altLang="ja-JP" sz="2000" dirty="0" err="1">
                 <a:solidFill>
-                  <a:srgbClr val="FF0000"/>
+                  <a:srgbClr val="00B050"/>
                 </a:solidFill>
               </a:rPr>
               <a:t>img_gray</a:t>
@@ -18159,7 +18637,7 @@
             <a:r>
               <a:rPr lang="en-US" altLang="ja-JP" sz="2000" dirty="0">
                 <a:solidFill>
-                  <a:srgbClr val="FF0000"/>
+                  <a:srgbClr val="00B050"/>
                 </a:solidFill>
               </a:rPr>
               <a:t>)</a:t>
@@ -18167,7 +18645,7 @@
             <a:r>
               <a:rPr lang="ja-JP" altLang="en-US" sz="2000" dirty="0">
                 <a:solidFill>
-                  <a:srgbClr val="FF0000"/>
+                  <a:srgbClr val="00B050"/>
                 </a:solidFill>
               </a:rPr>
               <a:t>は一度</a:t>
@@ -18175,7 +18653,7 @@
             <a:r>
               <a:rPr lang="en-US" altLang="ja-JP" sz="2000" dirty="0">
                 <a:solidFill>
-                  <a:srgbClr val="FF0000"/>
+                  <a:srgbClr val="00B050"/>
                 </a:solidFill>
               </a:rPr>
               <a:t>float</a:t>
@@ -18183,46 +18661,82 @@
             <a:r>
               <a:rPr lang="ja-JP" altLang="en-US" sz="2000" dirty="0">
                 <a:solidFill>
-                  <a:srgbClr val="FF0000"/>
+                  <a:srgbClr val="00B050"/>
                 </a:solidFill>
               </a:rPr>
               <a:t>型に変換されています</a:t>
             </a:r>
-            <a:endParaRPr lang="en-US" altLang="ja-JP" sz="2000" dirty="0" smtClean="0"/>
+            <a:endParaRPr lang="en-US" altLang="ja-JP" sz="2000" dirty="0" smtClean="0">
+              <a:solidFill>
+                <a:srgbClr val="00B050"/>
+              </a:solidFill>
+            </a:endParaRPr>
           </a:p>
           <a:p>
             <a:pPr marL="0" indent="0">
               <a:buNone/>
             </a:pPr>
             <a:r>
-              <a:rPr lang="ja-JP" altLang="en-US" sz="2000" dirty="0" smtClean="0"/>
+              <a:rPr lang="ja-JP" altLang="en-US" sz="2000" dirty="0" smtClean="0">
+                <a:solidFill>
+                  <a:srgbClr val="00B050"/>
+                </a:solidFill>
+              </a:rPr>
               <a:t>ヒント</a:t>
             </a:r>
             <a:r>
-              <a:rPr lang="en-US" altLang="ja-JP" sz="2000" dirty="0" smtClean="0"/>
+              <a:rPr lang="en-US" altLang="ja-JP" sz="2000" dirty="0" smtClean="0">
+                <a:solidFill>
+                  <a:srgbClr val="00B050"/>
+                </a:solidFill>
+              </a:rPr>
               <a:t>: </a:t>
             </a:r>
             <a:r>
-              <a:rPr lang="ja-JP" altLang="en-US" sz="2000" dirty="0" smtClean="0"/>
+              <a:rPr lang="ja-JP" altLang="en-US" sz="2000" dirty="0" smtClean="0">
+                <a:solidFill>
+                  <a:srgbClr val="00B050"/>
+                </a:solidFill>
+              </a:rPr>
               <a:t>マイナスの画素値は正値にして青</a:t>
             </a:r>
             <a:r>
-              <a:rPr lang="en-US" altLang="ja-JP" sz="2000" dirty="0" err="1" smtClean="0"/>
+              <a:rPr lang="en-US" altLang="ja-JP" sz="2000" dirty="0" err="1" smtClean="0">
+                <a:solidFill>
+                  <a:srgbClr val="00B050"/>
+                </a:solidFill>
+              </a:rPr>
               <a:t>ch</a:t>
             </a:r>
             <a:r>
-              <a:rPr lang="ja-JP" altLang="en-US" sz="2000" dirty="0" smtClean="0"/>
+              <a:rPr lang="ja-JP" altLang="en-US" sz="2000" dirty="0" smtClean="0">
+                <a:solidFill>
+                  <a:srgbClr val="00B050"/>
+                </a:solidFill>
+              </a:rPr>
               <a:t>へ，正の画素値は赤</a:t>
             </a:r>
             <a:r>
-              <a:rPr lang="en-US" altLang="ja-JP" sz="2000" dirty="0" err="1" smtClean="0"/>
+              <a:rPr lang="en-US" altLang="ja-JP" sz="2000" dirty="0" err="1" smtClean="0">
+                <a:solidFill>
+                  <a:srgbClr val="00B050"/>
+                </a:solidFill>
+              </a:rPr>
               <a:t>ch</a:t>
             </a:r>
             <a:r>
-              <a:rPr lang="ja-JP" altLang="en-US" sz="2000" dirty="0" smtClean="0"/>
+              <a:rPr lang="ja-JP" altLang="en-US" sz="2000" dirty="0" smtClean="0">
+                <a:solidFill>
+                  <a:srgbClr val="00B050"/>
+                </a:solidFill>
+              </a:rPr>
               <a:t>に入れてください</a:t>
             </a:r>
-            <a:endParaRPr lang="en-US" altLang="ja-JP" sz="2000" dirty="0" smtClean="0"/>
+            <a:endParaRPr lang="en-US" altLang="ja-JP" sz="2000" dirty="0" smtClean="0">
+              <a:solidFill>
+                <a:srgbClr val="00B050"/>
+              </a:solidFill>
+            </a:endParaRPr>
           </a:p>
         </p:txBody>
       </p:sp>
@@ -20109,7 +20623,14 @@
           </a:bodyPr>
           <a:lstStyle/>
           <a:p>
-            <a:endParaRPr kumimoji="1" lang="en-US" altLang="ja-JP" sz="2000" dirty="0" smtClean="0"/>
+            <a:pPr marL="0" indent="0">
+              <a:buNone/>
+            </a:pPr>
+            <a:r>
+              <a:rPr lang="ja-JP" altLang="en-US" sz="2000" b="1" dirty="0"/>
+              <a:t>実習</a:t>
+            </a:r>
+            <a:endParaRPr kumimoji="1" lang="en-US" altLang="ja-JP" sz="2000" b="1" dirty="0" smtClean="0"/>
           </a:p>
           <a:p>
             <a:pPr marL="0" indent="0">
@@ -20157,7 +20678,7 @@
             </a:pPr>
             <a:endParaRPr lang="en-US" altLang="ja-JP" sz="2000" dirty="0" smtClean="0">
               <a:solidFill>
-                <a:srgbClr val="FF0000"/>
+                <a:srgbClr val="00B050"/>
               </a:solidFill>
             </a:endParaRPr>
           </a:p>
@@ -20168,7 +20689,7 @@
             <a:r>
               <a:rPr lang="en-US" altLang="ja-JP" sz="2000" dirty="0" smtClean="0">
                 <a:solidFill>
-                  <a:srgbClr val="FF0000"/>
+                  <a:srgbClr val="00B050"/>
                 </a:solidFill>
               </a:rPr>
               <a:t>※</a:t>
@@ -20176,7 +20697,7 @@
             <a:r>
               <a:rPr lang="ja-JP" altLang="en-US" sz="2000" dirty="0">
                 <a:solidFill>
-                  <a:srgbClr val="FF0000"/>
+                  <a:srgbClr val="00B050"/>
                 </a:solidFill>
               </a:rPr>
               <a:t>途中計算時のオーバフローを避けるため，画像 </a:t>
@@ -20184,7 +20705,7 @@
             <a:r>
               <a:rPr lang="en-US" altLang="ja-JP" sz="2000" dirty="0">
                 <a:solidFill>
-                  <a:srgbClr val="FF0000"/>
+                  <a:srgbClr val="00B050"/>
                 </a:solidFill>
               </a:rPr>
               <a:t>(</a:t>
@@ -20192,7 +20713,7 @@
             <a:r>
               <a:rPr lang="en-US" altLang="ja-JP" sz="2000" dirty="0" err="1">
                 <a:solidFill>
-                  <a:srgbClr val="FF0000"/>
+                  <a:srgbClr val="00B050"/>
                 </a:solidFill>
               </a:rPr>
               <a:t>img</a:t>
@@ -20200,7 +20721,7 @@
             <a:r>
               <a:rPr lang="en-US" altLang="ja-JP" sz="2000" dirty="0">
                 <a:solidFill>
-                  <a:srgbClr val="FF0000"/>
+                  <a:srgbClr val="00B050"/>
                 </a:solidFill>
               </a:rPr>
               <a:t>, </a:t>
@@ -20208,7 +20729,7 @@
             <a:r>
               <a:rPr lang="en-US" altLang="ja-JP" sz="2000" dirty="0" err="1">
                 <a:solidFill>
-                  <a:srgbClr val="FF0000"/>
+                  <a:srgbClr val="00B050"/>
                 </a:solidFill>
               </a:rPr>
               <a:t>img_gray</a:t>
@@ -20216,7 +20737,7 @@
             <a:r>
               <a:rPr lang="en-US" altLang="ja-JP" sz="2000" dirty="0">
                 <a:solidFill>
-                  <a:srgbClr val="FF0000"/>
+                  <a:srgbClr val="00B050"/>
                 </a:solidFill>
               </a:rPr>
               <a:t>)</a:t>
@@ -20224,7 +20745,7 @@
             <a:r>
               <a:rPr lang="ja-JP" altLang="en-US" sz="2000" dirty="0">
                 <a:solidFill>
-                  <a:srgbClr val="FF0000"/>
+                  <a:srgbClr val="00B050"/>
                 </a:solidFill>
               </a:rPr>
               <a:t>は一度</a:t>
@@ -20232,7 +20753,7 @@
             <a:r>
               <a:rPr lang="en-US" altLang="ja-JP" sz="2000" dirty="0">
                 <a:solidFill>
-                  <a:srgbClr val="FF0000"/>
+                  <a:srgbClr val="00B050"/>
                 </a:solidFill>
               </a:rPr>
               <a:t>float</a:t>
@@ -20240,12 +20761,16 @@
             <a:r>
               <a:rPr lang="ja-JP" altLang="en-US" sz="2000" dirty="0">
                 <a:solidFill>
-                  <a:srgbClr val="FF0000"/>
+                  <a:srgbClr val="00B050"/>
                 </a:solidFill>
               </a:rPr>
               <a:t>型に変換されています</a:t>
             </a:r>
-            <a:endParaRPr kumimoji="1" lang="ja-JP" altLang="en-US" sz="2000" dirty="0"/>
+            <a:endParaRPr kumimoji="1" lang="ja-JP" altLang="en-US" sz="2000" dirty="0">
+              <a:solidFill>
+                <a:srgbClr val="00B050"/>
+              </a:solidFill>
+            </a:endParaRPr>
           </a:p>
         </p:txBody>
       </p:sp>
@@ -20257,8 +20782,8 @@
         </p:nvSpPr>
         <p:spPr>
           <a:xfrm>
-            <a:off x="6477803" y="1098396"/>
-            <a:ext cx="4937760" cy="4524315"/>
+            <a:off x="6477802" y="1098396"/>
+            <a:ext cx="5308913" cy="4524315"/>
           </a:xfrm>
           <a:prstGeom prst="rect">
             <a:avLst/>
@@ -21603,12 +22128,12 @@
         <p:spPr>
           <a:xfrm>
             <a:off x="278781" y="1343723"/>
-            <a:ext cx="6381549" cy="3170526"/>
+            <a:ext cx="6381549" cy="5077174"/>
           </a:xfrm>
         </p:spPr>
         <p:txBody>
           <a:bodyPr>
-            <a:normAutofit lnSpcReduction="10000"/>
+            <a:normAutofit/>
           </a:bodyPr>
           <a:lstStyle/>
           <a:p>
@@ -21658,95 +22183,279 @@
             <a:pPr marL="0" indent="0">
               <a:buNone/>
             </a:pPr>
-            <a:endParaRPr lang="en-US" altLang="ja-JP" sz="2000" b="1" dirty="0" smtClean="0"/>
-          </a:p>
-          <a:p>
-            <a:r>
-              <a:rPr lang="ja-JP" altLang="en-US" sz="2000" dirty="0" smtClean="0"/>
-              <a:t>多少確証が低くとも顔らしい部分をすべてマークするよう，コードを書き換えてください</a:t>
-            </a:r>
-            <a:endParaRPr lang="en-US" altLang="ja-JP" sz="2000" dirty="0" smtClean="0"/>
-          </a:p>
-          <a:p>
-            <a:r>
-              <a:rPr lang="en-US" altLang="ja-JP" sz="2000" dirty="0">
-                <a:solidFill>
-                  <a:srgbClr val="A31515"/>
-                </a:solidFill>
-                <a:highlight>
-                  <a:srgbClr val="FFFFFF"/>
-                </a:highlight>
-                <a:latin typeface="ＭＳ ゴシック" panose="020B0609070205080204" pitchFamily="49" charset="-128"/>
-                <a:ea typeface="ＭＳ ゴシック" panose="020B0609070205080204" pitchFamily="49" charset="-128"/>
+            <a:r>
+              <a:rPr lang="ja-JP" altLang="en-US" sz="2000" b="1" dirty="0" smtClean="0"/>
+              <a:t>多少</a:t>
+            </a:r>
+            <a:r>
+              <a:rPr lang="ja-JP" altLang="en-US" sz="2000" b="1" dirty="0" smtClean="0"/>
+              <a:t>確証が低くとも顔らしい部分をすべてマークするよう，コードを書き換えて</a:t>
+            </a:r>
+            <a:r>
+              <a:rPr lang="ja-JP" altLang="en-US" sz="2000" b="1" dirty="0" smtClean="0"/>
+              <a:t>ください</a:t>
+            </a:r>
+            <a:endParaRPr lang="en-US" altLang="ja-JP" sz="2000" b="1" dirty="0" smtClean="0">
+              <a:solidFill>
+                <a:srgbClr val="A31515"/>
+              </a:solidFill>
+              <a:highlight>
+                <a:srgbClr val="FFFFFF"/>
+              </a:highlight>
+            </a:endParaRPr>
+          </a:p>
+          <a:p>
+            <a:pPr marL="0" indent="0">
+              <a:buNone/>
+            </a:pPr>
+            <a:endParaRPr lang="en-US" altLang="ja-JP" sz="2000" b="1" dirty="0">
+              <a:solidFill>
+                <a:srgbClr val="A31515"/>
+              </a:solidFill>
+              <a:highlight>
+                <a:srgbClr val="FFFFFF"/>
+              </a:highlight>
+            </a:endParaRPr>
+          </a:p>
+          <a:p>
+            <a:pPr marL="0" indent="0">
+              <a:buNone/>
+            </a:pPr>
+            <a:r>
+              <a:rPr lang="en-US" altLang="ja-JP" sz="2000" b="1" dirty="0">
+                <a:solidFill>
+                  <a:srgbClr val="00B050"/>
+                </a:solidFill>
+                <a:highlight>
+                  <a:srgbClr val="FFFFFF"/>
+                </a:highlight>
+              </a:rPr>
+              <a:t>※</a:t>
+            </a:r>
+            <a:r>
+              <a:rPr lang="en-US" altLang="ja-JP" sz="1800" dirty="0" smtClean="0">
+                <a:solidFill>
+                  <a:srgbClr val="00B050"/>
+                </a:solidFill>
+                <a:highlight>
+                  <a:srgbClr val="FFFFFF"/>
+                </a:highlight>
               </a:rPr>
               <a:t>share folder</a:t>
             </a:r>
             <a:r>
-              <a:rPr lang="ja-JP" altLang="en-US" sz="2000" dirty="0">
-                <a:solidFill>
-                  <a:srgbClr val="A31515"/>
-                </a:solidFill>
-                <a:highlight>
-                  <a:srgbClr val="FFFFFF"/>
-                </a:highlight>
-                <a:latin typeface="ＭＳ ゴシック" panose="020B0609070205080204" pitchFamily="49" charset="-128"/>
-                <a:ea typeface="ＭＳ ゴシック" panose="020B0609070205080204" pitchFamily="49" charset="-128"/>
-              </a:rPr>
-              <a:t>において</a:t>
-            </a:r>
-            <a:r>
-              <a:rPr lang="ja-JP" altLang="en-US" sz="2000" dirty="0" smtClean="0">
-                <a:solidFill>
-                  <a:srgbClr val="A31515"/>
-                </a:solidFill>
-                <a:highlight>
-                  <a:srgbClr val="FFFFFF"/>
-                </a:highlight>
-                <a:latin typeface="ＭＳ ゴシック" panose="020B0609070205080204" pitchFamily="49" charset="-128"/>
-                <a:ea typeface="ＭＳ ゴシック" panose="020B0609070205080204" pitchFamily="49" charset="-128"/>
-              </a:rPr>
-              <a:t>ある</a:t>
-            </a:r>
-            <a:r>
-              <a:rPr lang="en-US" altLang="ja-JP" sz="2000" dirty="0" err="1" smtClean="0">
-                <a:solidFill>
-                  <a:srgbClr val="A31515"/>
-                </a:solidFill>
-                <a:highlight>
-                  <a:srgbClr val="FFFFFF"/>
-                </a:highlight>
-                <a:latin typeface="ＭＳ ゴシック" panose="020B0609070205080204" pitchFamily="49" charset="-128"/>
-                <a:ea typeface="ＭＳ ゴシック" panose="020B0609070205080204" pitchFamily="49" charset="-128"/>
-              </a:rPr>
-              <a:t>haarcascade_frontalface</a:t>
-            </a:r>
-            <a:r>
-              <a:rPr lang="en-US" altLang="ja-JP" sz="2000" dirty="0" smtClean="0">
-                <a:solidFill>
-                  <a:srgbClr val="A31515"/>
-                </a:solidFill>
-                <a:highlight>
-                  <a:srgbClr val="FFFFFF"/>
-                </a:highlight>
-                <a:latin typeface="ＭＳ ゴシック" panose="020B0609070205080204" pitchFamily="49" charset="-128"/>
-                <a:ea typeface="ＭＳ ゴシック" panose="020B0609070205080204" pitchFamily="49" charset="-128"/>
-              </a:rPr>
-              <a:t> _default.xml</a:t>
-            </a:r>
-            <a:r>
-              <a:rPr lang="ja-JP" altLang="en-US" sz="2000" dirty="0" smtClean="0">
-                <a:solidFill>
-                  <a:srgbClr val="A31515"/>
-                </a:solidFill>
-                <a:highlight>
-                  <a:srgbClr val="FFFFFF"/>
-                </a:highlight>
-                <a:latin typeface="ＭＳ ゴシック" panose="020B0609070205080204" pitchFamily="49" charset="-128"/>
-                <a:ea typeface="ＭＳ ゴシック" panose="020B0609070205080204" pitchFamily="49" charset="-128"/>
-              </a:rPr>
-              <a:t>ファイルをローカルにコピーしてください。</a:t>
-            </a:r>
-            <a:endParaRPr lang="en-US" altLang="ja-JP" sz="2000" dirty="0" smtClean="0"/>
+              <a:rPr lang="ja-JP" altLang="en-US" sz="1800" dirty="0" smtClean="0">
+                <a:solidFill>
+                  <a:srgbClr val="00B050"/>
+                </a:solidFill>
+                <a:highlight>
+                  <a:srgbClr val="FFFFFF"/>
+                </a:highlight>
+              </a:rPr>
+              <a:t>の</a:t>
+            </a:r>
+            <a:r>
+              <a:rPr lang="en-US" altLang="ja-JP" sz="1800" dirty="0" smtClean="0">
+                <a:solidFill>
+                  <a:srgbClr val="00B050"/>
+                </a:solidFill>
+                <a:highlight>
+                  <a:srgbClr val="FFFFFF"/>
+                </a:highlight>
+              </a:rPr>
+              <a:t>haarcascade_frontalface_default.xml</a:t>
+            </a:r>
+            <a:r>
+              <a:rPr lang="ja-JP" altLang="en-US" sz="1800" dirty="0" smtClean="0">
+                <a:solidFill>
+                  <a:srgbClr val="00B050"/>
+                </a:solidFill>
+                <a:highlight>
+                  <a:srgbClr val="FFFFFF"/>
+                </a:highlight>
+              </a:rPr>
+              <a:t>ファイルをローカルにコピーしてください</a:t>
+            </a:r>
+            <a:r>
+              <a:rPr lang="ja-JP" altLang="en-US" sz="1800" dirty="0" smtClean="0">
+                <a:solidFill>
+                  <a:srgbClr val="00B050"/>
+                </a:solidFill>
+                <a:highlight>
+                  <a:srgbClr val="FFFFFF"/>
+                </a:highlight>
+              </a:rPr>
+              <a:t>。</a:t>
+            </a:r>
+            <a:endParaRPr lang="en-US" altLang="ja-JP" sz="1800" dirty="0" smtClean="0">
+              <a:solidFill>
+                <a:srgbClr val="00B050"/>
+              </a:solidFill>
+              <a:highlight>
+                <a:srgbClr val="FFFFFF"/>
+              </a:highlight>
+            </a:endParaRPr>
+          </a:p>
+          <a:p>
+            <a:pPr marL="0" indent="0">
+              <a:buNone/>
+            </a:pPr>
+            <a:r>
+              <a:rPr lang="en-US" altLang="ja-JP" sz="1800" dirty="0">
+                <a:solidFill>
+                  <a:srgbClr val="00B050"/>
+                </a:solidFill>
+                <a:highlight>
+                  <a:srgbClr val="FFFFFF"/>
+                </a:highlight>
+              </a:rPr>
+              <a:t>※</a:t>
+            </a:r>
+            <a:r>
+              <a:rPr lang="en-US" altLang="ja-JP" sz="1800" dirty="0" err="1">
+                <a:solidFill>
+                  <a:srgbClr val="00B050"/>
+                </a:solidFill>
+                <a:highlight>
+                  <a:srgbClr val="FFFFFF"/>
+                </a:highlight>
+              </a:rPr>
+              <a:t>scaleFactor</a:t>
+            </a:r>
+            <a:r>
+              <a:rPr lang="en-US" altLang="ja-JP" sz="1800" dirty="0">
+                <a:solidFill>
+                  <a:srgbClr val="00B050"/>
+                </a:solidFill>
+                <a:highlight>
+                  <a:srgbClr val="FFFFFF"/>
+                </a:highlight>
+              </a:rPr>
+              <a:t> – </a:t>
+            </a:r>
+            <a:r>
+              <a:rPr lang="ja-JP" altLang="en-US" sz="1800" dirty="0">
+                <a:solidFill>
+                  <a:srgbClr val="00B050"/>
+                </a:solidFill>
+                <a:highlight>
+                  <a:srgbClr val="FFFFFF"/>
+                </a:highlight>
+              </a:rPr>
+              <a:t>各画像スケールにおける縮小量を</a:t>
+            </a:r>
+            <a:r>
+              <a:rPr lang="ja-JP" altLang="en-US" sz="1800" dirty="0" smtClean="0">
+                <a:solidFill>
+                  <a:srgbClr val="00B050"/>
+                </a:solidFill>
+                <a:highlight>
+                  <a:srgbClr val="FFFFFF"/>
+                </a:highlight>
+              </a:rPr>
+              <a:t>表します</a:t>
+            </a:r>
+            <a:endParaRPr lang="en-US" altLang="ja-JP" sz="1800" dirty="0" smtClean="0">
+              <a:solidFill>
+                <a:srgbClr val="00B050"/>
+              </a:solidFill>
+              <a:highlight>
+                <a:srgbClr val="FFFFFF"/>
+              </a:highlight>
+            </a:endParaRPr>
+          </a:p>
+          <a:p>
+            <a:pPr marL="0" indent="0">
+              <a:buNone/>
+            </a:pPr>
+            <a:r>
+              <a:rPr lang="en-US" altLang="ja-JP" sz="1800" dirty="0">
+                <a:solidFill>
+                  <a:srgbClr val="00B050"/>
+                </a:solidFill>
+                <a:highlight>
+                  <a:srgbClr val="FFFFFF"/>
+                </a:highlight>
+              </a:rPr>
+              <a:t>※</a:t>
+            </a:r>
+            <a:r>
+              <a:rPr lang="en-US" altLang="ja-JP" sz="1800" dirty="0" err="1">
+                <a:solidFill>
+                  <a:srgbClr val="00B050"/>
+                </a:solidFill>
+                <a:highlight>
+                  <a:srgbClr val="FFFFFF"/>
+                </a:highlight>
+              </a:rPr>
+              <a:t>minNeighbors</a:t>
+            </a:r>
+            <a:r>
+              <a:rPr lang="en-US" altLang="ja-JP" sz="1800" dirty="0">
+                <a:solidFill>
+                  <a:srgbClr val="00B050"/>
+                </a:solidFill>
+                <a:highlight>
+                  <a:srgbClr val="FFFFFF"/>
+                </a:highlight>
+              </a:rPr>
+              <a:t> – </a:t>
+            </a:r>
+            <a:r>
+              <a:rPr lang="ja-JP" altLang="en-US" sz="1800" dirty="0">
+                <a:solidFill>
+                  <a:srgbClr val="00B050"/>
+                </a:solidFill>
+                <a:highlight>
+                  <a:srgbClr val="FFFFFF"/>
+                </a:highlight>
+              </a:rPr>
+              <a:t>物体候補となる矩形は，最低でもこの数だけの近傍矩形を含む必要が</a:t>
+            </a:r>
+            <a:r>
+              <a:rPr lang="ja-JP" altLang="en-US" sz="1800" dirty="0" smtClean="0">
+                <a:solidFill>
+                  <a:srgbClr val="00B050"/>
+                </a:solidFill>
+                <a:highlight>
+                  <a:srgbClr val="FFFFFF"/>
+                </a:highlight>
+              </a:rPr>
+              <a:t>あります</a:t>
+            </a:r>
+            <a:endParaRPr lang="en-US" altLang="ja-JP" sz="2000" dirty="0">
+              <a:solidFill>
+                <a:srgbClr val="00B050"/>
+              </a:solidFill>
+              <a:highlight>
+                <a:srgbClr val="FFFFFF"/>
+              </a:highlight>
+            </a:endParaRPr>
+          </a:p>
+          <a:p>
+            <a:pPr marL="0" indent="0">
+              <a:buNone/>
+            </a:pPr>
+            <a:r>
+              <a:rPr lang="en-US" altLang="ja-JP" sz="1600" dirty="0">
+                <a:solidFill>
+                  <a:srgbClr val="00B050"/>
+                </a:solidFill>
+                <a:highlight>
+                  <a:srgbClr val="FFFFFF"/>
+                </a:highlight>
+                <a:sym typeface="Wingdings" panose="05000000000000000000" pitchFamily="2" charset="2"/>
+              </a:rPr>
+              <a:t> http://opencv.jp/opencv-2.1/cpp/object_detection.html</a:t>
+            </a:r>
+            <a:endParaRPr lang="en-US" altLang="ja-JP" sz="1400" dirty="0" smtClean="0">
+              <a:solidFill>
+                <a:srgbClr val="00B050"/>
+              </a:solidFill>
+              <a:highlight>
+                <a:srgbClr val="FFFFFF"/>
+              </a:highlight>
+            </a:endParaRPr>
           </a:p>
         </p:txBody>
       </p:sp>
@@ -21759,7 +22468,7 @@
         <p:spPr>
           <a:xfrm>
             <a:off x="6660330" y="482729"/>
-            <a:ext cx="5169117" cy="6001643"/>
+            <a:ext cx="5407740" cy="6001643"/>
           </a:xfrm>
           <a:prstGeom prst="rect">
             <a:avLst/>
@@ -22045,10 +22754,23 @@
                 <a:latin typeface="ＭＳ ゴシック" panose="020B0609070205080204" pitchFamily="49" charset="-128"/>
                 <a:ea typeface="ＭＳ ゴシック" panose="020B0609070205080204" pitchFamily="49" charset="-128"/>
               </a:rPr>
-              <a:t>.imread(</a:t>
-            </a:r>
-            <a:r>
-              <a:rPr lang="en-US" altLang="ja-JP" sz="1600" dirty="0">
+              <a:t>.imread</a:t>
+            </a:r>
+            <a:r>
+              <a:rPr lang="en-US" altLang="ja-JP" sz="1600" dirty="0" smtClean="0">
+                <a:solidFill>
+                  <a:srgbClr val="000000"/>
+                </a:solidFill>
+                <a:highlight>
+                  <a:srgbClr val="FFFFFF"/>
+                </a:highlight>
+                <a:latin typeface="ＭＳ ゴシック" panose="020B0609070205080204" pitchFamily="49" charset="-128"/>
+                <a:ea typeface="ＭＳ ゴシック" panose="020B0609070205080204" pitchFamily="49" charset="-128"/>
+              </a:rPr>
+              <a:t>(</a:t>
+            </a:r>
+            <a:r>
+              <a:rPr lang="en-US" altLang="ja-JP" sz="1600" dirty="0" smtClean="0">
                 <a:solidFill>
                   <a:srgbClr val="A31515"/>
                 </a:solidFill>
@@ -22058,20 +22780,33 @@
                 <a:latin typeface="ＭＳ ゴシック" panose="020B0609070205080204" pitchFamily="49" charset="-128"/>
                 <a:ea typeface="ＭＳ ゴシック" panose="020B0609070205080204" pitchFamily="49" charset="-128"/>
               </a:rPr>
-              <a:t>"IMG_5349.jpg"</a:t>
-            </a:r>
-            <a:r>
-              <a:rPr lang="en-US" altLang="ja-JP" sz="1600" dirty="0">
-                <a:solidFill>
-                  <a:srgbClr val="000000"/>
-                </a:solidFill>
-                <a:highlight>
-                  <a:srgbClr val="FFFFFF"/>
-                </a:highlight>
-                <a:latin typeface="ＭＳ ゴシック" panose="020B0609070205080204" pitchFamily="49" charset="-128"/>
-                <a:ea typeface="ＭＳ ゴシック" panose="020B0609070205080204" pitchFamily="49" charset="-128"/>
-              </a:rPr>
-              <a:t>,0)</a:t>
+              <a:t>“trgtImg.jpg"</a:t>
+            </a:r>
+            <a:r>
+              <a:rPr lang="en-US" altLang="ja-JP" sz="1600" dirty="0" smtClean="0">
+                <a:solidFill>
+                  <a:srgbClr val="000000"/>
+                </a:solidFill>
+                <a:highlight>
+                  <a:srgbClr val="FFFFFF"/>
+                </a:highlight>
+                <a:latin typeface="ＭＳ ゴシック" panose="020B0609070205080204" pitchFamily="49" charset="-128"/>
+                <a:ea typeface="ＭＳ ゴシック" panose="020B0609070205080204" pitchFamily="49" charset="-128"/>
+              </a:rPr>
+              <a:t>,</a:t>
+            </a:r>
+            <a:r>
+              <a:rPr lang="en-US" altLang="ja-JP" sz="1600" dirty="0">
+                <a:solidFill>
+                  <a:srgbClr val="000000"/>
+                </a:solidFill>
+                <a:highlight>
+                  <a:srgbClr val="FFFFFF"/>
+                </a:highlight>
+                <a:latin typeface="ＭＳ ゴシック" panose="020B0609070205080204" pitchFamily="49" charset="-128"/>
+                <a:ea typeface="ＭＳ ゴシック" panose="020B0609070205080204" pitchFamily="49" charset="-128"/>
+              </a:rPr>
+              <a:t>0)</a:t>
             </a:r>
           </a:p>
           <a:p>
